--- a/Scripts/SpindleQuantify/README.pptx
+++ b/Scripts/SpindleQuantify/README.pptx
@@ -3987,9 +3987,13 @@
           <a:p>
             <a:r>
               <a:rPr lang="en-US" sz="2800" dirty="0" smtClean="0"/>
-              <a:t>By T47, Dec 2014</a:t>
-            </a:r>
-            <a:endParaRPr lang="en-US" sz="2800" dirty="0"/>
+              <a:t>By T47, </a:t>
+            </a:r>
+            <a:r>
+              <a:rPr lang="en-US" sz="2800" i="1" dirty="0" smtClean="0"/>
+              <a:t>Dec 2014</a:t>
+            </a:r>
+            <a:endParaRPr lang="en-US" sz="2800" i="1" dirty="0"/>
           </a:p>
         </p:txBody>
       </p:sp>
@@ -4100,11 +4104,7 @@
           <a:p>
             <a:r>
               <a:rPr lang="en-US" dirty="0" smtClean="0"/>
-              <a:t>This is an all-in-one function to perform the analysis pipeline</a:t>
-            </a:r>
-            <a:r>
-              <a:rPr lang="en-US" dirty="0" smtClean="0"/>
-              <a:t>.</a:t>
+              <a:t>This is an all-in-one function to perform the analysis pipeline.</a:t>
             </a:r>
           </a:p>
           <a:p>
@@ -4115,7 +4115,6 @@
               <a:rPr lang="en-US" dirty="0" smtClean="0"/>
               <a:t>Usage: </a:t>
             </a:r>
-            <a:endParaRPr lang="en-US" dirty="0" smtClean="0"/>
           </a:p>
           <a:p>
             <a:pPr marL="114300" indent="0">
@@ -4172,10 +4171,6 @@
               </a:rPr>
               <a:t>, </a:t>
             </a:r>
-            <a:endParaRPr lang="en-US" b="1" dirty="0" smtClean="0">
-              <a:latin typeface="Courier"/>
-              <a:cs typeface="Courier"/>
-            </a:endParaRPr>
           </a:p>
           <a:p>
             <a:pPr marL="114300" indent="0">
@@ -4193,21 +4188,7 @@
                 <a:latin typeface="Courier"/>
                 <a:cs typeface="Courier"/>
               </a:rPr>
-              <a:t>CEN_LINE_OFFSET</a:t>
-            </a:r>
-            <a:r>
-              <a:rPr lang="en-US" b="1" dirty="0" smtClean="0">
-                <a:latin typeface="Courier"/>
-                <a:cs typeface="Courier"/>
-              </a:rPr>
-              <a:t>, </a:t>
-            </a:r>
-            <a:r>
-              <a:rPr lang="en-US" b="1" dirty="0" smtClean="0">
-                <a:latin typeface="Courier"/>
-                <a:cs typeface="Courier"/>
-              </a:rPr>
-              <a:t>POLE_PORTION, </a:t>
+              <a:t>CEN_LINE_OFFSET, POLE_PORTION, </a:t>
             </a:r>
             <a:r>
               <a:rPr lang="en-US" b="1" dirty="0" err="1" smtClean="0">
@@ -4340,10 +4321,6 @@
               </a:rPr>
               <a:t>);</a:t>
             </a:r>
-            <a:endParaRPr lang="en-US" dirty="0" smtClean="0">
-              <a:latin typeface="Courier"/>
-              <a:cs typeface="Courier"/>
-            </a:endParaRPr>
           </a:p>
           <a:p>
             <a:endParaRPr lang="en-US" dirty="0" smtClean="0"/>
@@ -4472,11 +4449,7 @@
           <a:p>
             <a:r>
               <a:rPr lang="en-US" dirty="0" smtClean="0"/>
-              <a:t>Arguments</a:t>
-            </a:r>
-            <a:r>
-              <a:rPr lang="en-US" dirty="0" smtClean="0"/>
-              <a:t>:</a:t>
+              <a:t>Arguments:</a:t>
             </a:r>
           </a:p>
           <a:p>
@@ -4575,99 +4548,86 @@
                   <a:srgbClr val="FA8716"/>
                 </a:solidFill>
               </a:rPr>
+              <a:t>(type double)</a:t>
+            </a:r>
+            <a:r>
+              <a:rPr lang="en-US" dirty="0" smtClean="0"/>
+              <a:t>, the portion along the pole-pole axis considered as pole region. If not specified, default of 1/24 will be used.</a:t>
+            </a:r>
+          </a:p>
+          <a:p>
+            <a:pPr lvl="1"/>
+            <a:r>
+              <a:rPr lang="en-US" b="1" dirty="0" err="1" smtClean="0">
+                <a:solidFill>
+                  <a:srgbClr val="008000"/>
+                </a:solidFill>
+                <a:latin typeface="Courier"/>
+                <a:cs typeface="Courier"/>
+              </a:rPr>
+              <a:t>y_lim</a:t>
+            </a:r>
+            <a:r>
+              <a:rPr lang="en-US" dirty="0" smtClean="0"/>
+              <a:t>: </a:t>
+            </a:r>
+            <a:r>
+              <a:rPr lang="en-US" i="1" dirty="0" smtClean="0">
+                <a:solidFill>
+                  <a:srgbClr val="FA8716"/>
+                </a:solidFill>
+              </a:rPr>
+              <a:t>(type double)</a:t>
+            </a:r>
+            <a:r>
+              <a:rPr lang="en-US" dirty="0" smtClean="0"/>
+              <a:t>, the y axis upper limit in the ratio plots. If not specified, default of 2.0 will be used.</a:t>
+            </a:r>
+          </a:p>
+          <a:p>
+            <a:pPr lvl="1"/>
+            <a:r>
+              <a:rPr lang="en-US" b="1" dirty="0" smtClean="0">
+                <a:solidFill>
+                  <a:srgbClr val="008000"/>
+                </a:solidFill>
+                <a:latin typeface="Courier"/>
+                <a:cs typeface="Courier"/>
+              </a:rPr>
+              <a:t>NUM_BIN</a:t>
+            </a:r>
+            <a:r>
+              <a:rPr lang="en-US" dirty="0" smtClean="0"/>
+              <a:t>: </a:t>
+            </a:r>
+            <a:r>
+              <a:rPr lang="en-US" i="1" dirty="0" smtClean="0">
+                <a:solidFill>
+                  <a:srgbClr val="FA8716"/>
+                </a:solidFill>
+              </a:rPr>
               <a:t>(type </a:t>
             </a:r>
             <a:r>
+              <a:rPr lang="en-US" i="1" dirty="0" err="1" smtClean="0">
+                <a:solidFill>
+                  <a:srgbClr val="FA8716"/>
+                </a:solidFill>
+              </a:rPr>
+              <a:t>int</a:t>
+            </a:r>
+            <a:r>
               <a:rPr lang="en-US" i="1" dirty="0" smtClean="0">
                 <a:solidFill>
                   <a:srgbClr val="FA8716"/>
                 </a:solidFill>
               </a:rPr>
-              <a:t>double)</a:t>
-            </a:r>
-            <a:r>
-              <a:rPr lang="en-US" dirty="0" smtClean="0"/>
-              <a:t>, the portion along the pole-pole axis considered as pole region. If not specified, default of 1/24 will be used</a:t>
-            </a:r>
-            <a:r>
-              <a:rPr lang="en-US" dirty="0" smtClean="0"/>
-              <a:t>.</a:t>
-            </a:r>
-          </a:p>
-          <a:p>
-            <a:pPr lvl="1"/>
-            <a:r>
-              <a:rPr lang="en-US" b="1" dirty="0" err="1" smtClean="0">
-                <a:solidFill>
-                  <a:srgbClr val="008000"/>
-                </a:solidFill>
-                <a:latin typeface="Courier"/>
-                <a:cs typeface="Courier"/>
-              </a:rPr>
-              <a:t>y_lim</a:t>
-            </a:r>
-            <a:r>
-              <a:rPr lang="en-US" dirty="0" smtClean="0"/>
-              <a:t>: </a:t>
-            </a:r>
-            <a:r>
-              <a:rPr lang="en-US" i="1" dirty="0" smtClean="0">
-                <a:solidFill>
-                  <a:srgbClr val="FA8716"/>
-                </a:solidFill>
-              </a:rPr>
-              <a:t>(type double)</a:t>
-            </a:r>
-            <a:r>
-              <a:rPr lang="en-US" dirty="0" smtClean="0"/>
-              <a:t>, the y axis upper limit in the ratio plots. If not specified, default of 2.0 will be used.</a:t>
-            </a:r>
-          </a:p>
-          <a:p>
-            <a:pPr lvl="1"/>
-            <a:r>
-              <a:rPr lang="en-US" b="1" dirty="0" smtClean="0">
-                <a:solidFill>
-                  <a:srgbClr val="008000"/>
-                </a:solidFill>
-                <a:latin typeface="Courier"/>
-                <a:cs typeface="Courier"/>
-              </a:rPr>
-              <a:t>NUM_BIN</a:t>
-            </a:r>
-            <a:r>
-              <a:rPr lang="en-US" dirty="0" smtClean="0"/>
-              <a:t>: </a:t>
-            </a:r>
-            <a:r>
-              <a:rPr lang="en-US" i="1" dirty="0" smtClean="0">
-                <a:solidFill>
-                  <a:srgbClr val="FA8716"/>
-                </a:solidFill>
-              </a:rPr>
-              <a:t>(type </a:t>
-            </a:r>
-            <a:r>
-              <a:rPr lang="en-US" i="1" dirty="0" err="1" smtClean="0">
-                <a:solidFill>
-                  <a:srgbClr val="FA8716"/>
-                </a:solidFill>
-              </a:rPr>
-              <a:t>int</a:t>
-            </a:r>
-            <a:r>
-              <a:rPr lang="en-US" i="1" dirty="0" smtClean="0">
-                <a:solidFill>
-                  <a:srgbClr val="FA8716"/>
-                </a:solidFill>
-              </a:rPr>
               <a:t>)</a:t>
             </a:r>
             <a:r>
               <a:rPr lang="en-US" dirty="0" smtClean="0"/>
               <a:t>, the number of bins used to group ratio data points. If not specified, default of 100 will be used, meaning one ratio data point for every 1%.</a:t>
             </a:r>
-            <a:endParaRPr lang="en-US" dirty="0" smtClean="0"/>
           </a:p>
         </p:txBody>
       </p:sp>
@@ -4789,20 +4749,15 @@
               <a:rPr lang="en-US" dirty="0" smtClean="0"/>
               <a:t>: </a:t>
             </a:r>
+          </a:p>
+          <a:p>
             <a:endParaRPr lang="en-US" dirty="0" smtClean="0"/>
           </a:p>
           <a:p>
-            <a:endParaRPr lang="en-US" dirty="0" smtClean="0"/>
-          </a:p>
-          <a:p>
             <a:pPr lvl="1"/>
             <a:r>
               <a:rPr lang="en-US" dirty="0" smtClean="0"/>
-              <a:t>First, make sure your “current working directory” is correct (see left panel in MATLAB window). Go to the parent directory of your image-file folder (so that the target folder is a child of the current working directory)</a:t>
-            </a:r>
-            <a:r>
-              <a:rPr lang="en-US" dirty="0" smtClean="0"/>
-              <a:t>.</a:t>
+              <a:t>First, make sure your “current working directory” is correct (see left panel in MATLAB window). Go to the parent directory of your image-file folder (so that the target folder is a child of the current working directory).</a:t>
             </a:r>
           </a:p>
           <a:p>
@@ -5663,7 +5618,6 @@
               <a:rPr lang="en-US" dirty="0" smtClean="0"/>
               <a:t>: </a:t>
             </a:r>
-            <a:endParaRPr lang="en-US" dirty="0" smtClean="0"/>
           </a:p>
           <a:p>
             <a:pPr marL="114300" indent="0">
@@ -5686,11 +5640,7 @@
             </a:r>
             <a:r>
               <a:rPr lang="en-US" dirty="0" smtClean="0"/>
-              <a:t> pixels away are automatically drawn</a:t>
-            </a:r>
-            <a:r>
-              <a:rPr lang="en-US" dirty="0" smtClean="0"/>
-              <a:t>.</a:t>
+              <a:t> pixels away are automatically drawn.</a:t>
             </a:r>
           </a:p>
           <a:p>
@@ -5845,7 +5795,6 @@
               <a:rPr lang="en-US" dirty="0" smtClean="0"/>
               <a:t>: </a:t>
             </a:r>
-            <a:endParaRPr lang="en-US" dirty="0" smtClean="0"/>
           </a:p>
           <a:p>
             <a:endParaRPr lang="en-US" dirty="0" smtClean="0"/>
@@ -6056,27 +6005,7 @@
             <a:pPr lvl="1"/>
             <a:r>
               <a:rPr lang="en-US" dirty="0" smtClean="0"/>
-              <a:t>This defines </a:t>
-            </a:r>
-            <a:r>
-              <a:rPr lang="en-US" dirty="0" smtClean="0"/>
-              <a:t>the upper limit of y-axis in all ratio plots. </a:t>
-            </a:r>
-            <a:r>
-              <a:rPr lang="en-US" dirty="0" smtClean="0"/>
-              <a:t>Default is </a:t>
-            </a:r>
-            <a:r>
-              <a:rPr lang="en-US" dirty="0" smtClean="0"/>
-              <a:t>2.0, </a:t>
-            </a:r>
-            <a:r>
-              <a:rPr lang="en-US" dirty="0" smtClean="0"/>
-              <a:t>which means </a:t>
-            </a:r>
-            <a:r>
-              <a:rPr lang="en-US" dirty="0" smtClean="0"/>
-              <a:t>ratio of 0-to-2.0 will be shown. Ratios higher than 2.0 will appear “cut-off” on the plot. You may </a:t>
+              <a:t>This defines the upper limit of y-axis in all ratio plots. Default is 2.0, which means ratio of 0-to-2.0 will be shown. Ratios higher than 2.0 will appear “cut-off” on the plot. You may </a:t>
             </a:r>
             <a:r>
               <a:rPr lang="en-US" dirty="0" err="1" smtClean="0"/>
@@ -6113,7 +6042,6 @@
               <a:rPr lang="en-US" dirty="0" smtClean="0"/>
               <a:t>This defines the number of bins used in grouping/normalizing the ratio trace across different spindle length. See “calculate the ratio” page.</a:t>
             </a:r>
-            <a:endParaRPr lang="en-US" dirty="0" smtClean="0"/>
           </a:p>
         </p:txBody>
       </p:sp>
@@ -6822,20 +6750,11 @@
               </a:rPr>
               <a:t>3</a:t>
             </a:r>
-            <a:endParaRPr lang="en-US" b="1" dirty="0" smtClean="0">
-              <a:solidFill>
-                <a:srgbClr val="7E13E3"/>
-              </a:solidFill>
-            </a:endParaRPr>
-          </a:p>
-          <a:p>
-            <a:r>
-              <a:rPr lang="en-US" dirty="0" smtClean="0"/>
-              <a:t>Image </a:t>
-            </a:r>
-            <a:r>
-              <a:rPr lang="en-US" dirty="0" smtClean="0"/>
-              <a:t>Processing…………………………………………...</a:t>
+          </a:p>
+          <a:p>
+            <a:r>
+              <a:rPr lang="en-US" dirty="0" smtClean="0"/>
+              <a:t>Image Processing…………………………………………...</a:t>
             </a:r>
             <a:r>
               <a:rPr lang="en-US" b="1" dirty="0" smtClean="0">
@@ -6845,21 +6764,12 @@
               </a:rPr>
               <a:t>9</a:t>
             </a:r>
-            <a:endParaRPr lang="en-US" b="1" dirty="0" smtClean="0">
-              <a:solidFill>
-                <a:srgbClr val="7E13E3"/>
-              </a:solidFill>
-            </a:endParaRPr>
           </a:p>
           <a:p>
             <a:pPr lvl="1"/>
             <a:r>
               <a:rPr lang="en-US" dirty="0" smtClean="0"/>
-              <a:t>Input </a:t>
-            </a:r>
-            <a:r>
-              <a:rPr lang="en-US" dirty="0" smtClean="0"/>
-              <a:t>Arguments…………………………………………….…</a:t>
+              <a:t>Input Arguments…………………………………………….…</a:t>
             </a:r>
             <a:r>
               <a:rPr lang="en-US" i="1" dirty="0" smtClean="0">
@@ -6872,24 +6782,12 @@
               </a:rPr>
               <a:t>11</a:t>
             </a:r>
-            <a:endParaRPr lang="en-US" i="1" dirty="0" smtClean="0">
-              <a:solidFill>
-                <a:schemeClr val="tx1">
-                  <a:lumMod val="50000"/>
-                  <a:lumOff val="50000"/>
-                </a:schemeClr>
-              </a:solidFill>
-            </a:endParaRPr>
           </a:p>
           <a:p>
             <a:pPr lvl="1"/>
             <a:r>
               <a:rPr lang="en-US" dirty="0" smtClean="0"/>
-              <a:t>Interactive Interface: Define Spindle from </a:t>
-            </a:r>
-            <a:r>
-              <a:rPr lang="en-US" dirty="0" smtClean="0"/>
-              <a:t>Image………….</a:t>
+              <a:t>Interactive Interface: Define Spindle from Image………….</a:t>
             </a:r>
             <a:r>
               <a:rPr lang="en-US" i="1" dirty="0" smtClean="0">
@@ -6899,21 +6797,12 @@
               </a:rPr>
               <a:t>19</a:t>
             </a:r>
-            <a:endParaRPr lang="en-US" i="1" dirty="0" smtClean="0">
-              <a:solidFill>
-                <a:srgbClr val="7F7F7F"/>
-              </a:solidFill>
-            </a:endParaRPr>
           </a:p>
           <a:p>
             <a:pPr lvl="1"/>
             <a:r>
               <a:rPr lang="en-US" dirty="0" smtClean="0"/>
-              <a:t>Output </a:t>
-            </a:r>
-            <a:r>
-              <a:rPr lang="en-US" dirty="0" smtClean="0"/>
-              <a:t>Plots……………………………………………………</a:t>
+              <a:t>Output Plots……………………………………………………</a:t>
             </a:r>
             <a:r>
               <a:rPr lang="en-US" i="1" dirty="0" smtClean="0">
@@ -6923,20 +6812,11 @@
               </a:rPr>
               <a:t>28</a:t>
             </a:r>
-            <a:endParaRPr lang="en-US" i="1" dirty="0" smtClean="0">
-              <a:solidFill>
-                <a:srgbClr val="7F7F7F"/>
-              </a:solidFill>
-            </a:endParaRPr>
-          </a:p>
-          <a:p>
-            <a:r>
-              <a:rPr lang="en-US" dirty="0" smtClean="0"/>
-              <a:t>Data </a:t>
-            </a:r>
-            <a:r>
-              <a:rPr lang="en-US" dirty="0" smtClean="0"/>
-              <a:t>Processing…………………………………………....</a:t>
+          </a:p>
+          <a:p>
+            <a:r>
+              <a:rPr lang="en-US" dirty="0" smtClean="0"/>
+              <a:t>Data Processing…………………………………………....</a:t>
             </a:r>
             <a:r>
               <a:rPr lang="en-US" b="1" dirty="0" smtClean="0">
@@ -6946,21 +6826,12 @@
               </a:rPr>
               <a:t>31</a:t>
             </a:r>
-            <a:endParaRPr lang="en-US" b="1" dirty="0" smtClean="0">
-              <a:solidFill>
-                <a:srgbClr val="7E13E3"/>
-              </a:solidFill>
-            </a:endParaRPr>
           </a:p>
           <a:p>
             <a:pPr lvl="1"/>
             <a:r>
               <a:rPr lang="en-US" dirty="0" smtClean="0"/>
-              <a:t>Ratio </a:t>
-            </a:r>
-            <a:r>
-              <a:rPr lang="en-US" dirty="0" smtClean="0"/>
-              <a:t>Calculation………………………………………………</a:t>
+              <a:t>Ratio Calculation………………………………………………</a:t>
             </a:r>
             <a:r>
               <a:rPr lang="en-US" i="1" dirty="0" smtClean="0">
@@ -6985,21 +6856,12 @@
               </a:rPr>
               <a:t>37</a:t>
             </a:r>
-            <a:endParaRPr lang="en-US" i="1" dirty="0" smtClean="0">
-              <a:solidFill>
-                <a:srgbClr val="7F7F7F"/>
-              </a:solidFill>
-            </a:endParaRPr>
           </a:p>
           <a:p>
             <a:pPr lvl="1"/>
             <a:r>
               <a:rPr lang="en-US" dirty="0" smtClean="0"/>
-              <a:t>MATLAB Data </a:t>
-            </a:r>
-            <a:r>
-              <a:rPr lang="en-US" dirty="0" smtClean="0"/>
-              <a:t>Structure……………………………………...</a:t>
+              <a:t>MATLAB Data Structure……………………………………...</a:t>
             </a:r>
             <a:r>
               <a:rPr lang="en-US" i="1" dirty="0" smtClean="0">
@@ -7009,20 +6871,11 @@
               </a:rPr>
               <a:t>44</a:t>
             </a:r>
-            <a:endParaRPr lang="en-US" i="1" dirty="0" smtClean="0">
-              <a:solidFill>
-                <a:srgbClr val="7F7F7F"/>
-              </a:solidFill>
-            </a:endParaRPr>
-          </a:p>
-          <a:p>
-            <a:r>
-              <a:rPr lang="en-US" dirty="0" smtClean="0"/>
-              <a:t>Function </a:t>
-            </a:r>
-            <a:r>
-              <a:rPr lang="en-US" dirty="0" smtClean="0"/>
-              <a:t>Usages…………………………………………...</a:t>
+          </a:p>
+          <a:p>
+            <a:r>
+              <a:rPr lang="en-US" dirty="0" smtClean="0"/>
+              <a:t>Function Usages…………………………………………...</a:t>
             </a:r>
             <a:r>
               <a:rPr lang="en-US" b="1" dirty="0" smtClean="0">
@@ -7032,11 +6885,6 @@
               </a:rPr>
               <a:t>52</a:t>
             </a:r>
-            <a:endParaRPr lang="en-US" b="1" dirty="0" smtClean="0">
-              <a:solidFill>
-                <a:srgbClr val="7E13E3"/>
-              </a:solidFill>
-            </a:endParaRPr>
           </a:p>
           <a:p>
             <a:endParaRPr lang="en-US" dirty="0" smtClean="0"/>
@@ -7187,6 +7035,36 @@
           <a:xfrm>
             <a:off x="218259" y="235541"/>
             <a:ext cx="8202758" cy="6622459"/>
+          </a:xfrm>
+          <a:prstGeom prst="rect">
+            <a:avLst/>
+          </a:prstGeom>
+        </p:spPr>
+      </p:pic>
+      <p:pic>
+        <p:nvPicPr>
+          <p:cNvPr id="6" name="Picture 5" descr="Screen Shot 2014-12-31 at 02.11.31 PM.png"/>
+          <p:cNvPicPr>
+            <a:picLocks noChangeAspect="1"/>
+          </p:cNvPicPr>
+          <p:nvPr/>
+        </p:nvPicPr>
+        <p:blipFill>
+          <a:blip r:embed="rId3">
+            <a:extLst>
+              <a:ext uri="{28A0092B-C50C-407E-A947-70E740481C1C}">
+                <a14:useLocalDpi xmlns:a14="http://schemas.microsoft.com/office/drawing/2010/main" val="0"/>
+              </a:ext>
+            </a:extLst>
+          </a:blip>
+          <a:stretch>
+            <a:fillRect/>
+          </a:stretch>
+        </p:blipFill>
+        <p:spPr>
+          <a:xfrm>
+            <a:off x="6863451" y="5053970"/>
+            <a:ext cx="1473200" cy="1244600"/>
           </a:xfrm>
           <a:prstGeom prst="rect">
             <a:avLst/>
@@ -7578,6 +7456,36 @@
           </a:prstGeom>
         </p:spPr>
       </p:pic>
+      <p:pic>
+        <p:nvPicPr>
+          <p:cNvPr id="5" name="Picture 4" descr="Screen Shot 2014-12-31 at 02.11.31 PM.png"/>
+          <p:cNvPicPr>
+            <a:picLocks noChangeAspect="1"/>
+          </p:cNvPicPr>
+          <p:nvPr/>
+        </p:nvPicPr>
+        <p:blipFill>
+          <a:blip r:embed="rId3">
+            <a:extLst>
+              <a:ext uri="{28A0092B-C50C-407E-A947-70E740481C1C}">
+                <a14:useLocalDpi xmlns:a14="http://schemas.microsoft.com/office/drawing/2010/main" val="0"/>
+              </a:ext>
+            </a:extLst>
+          </a:blip>
+          <a:stretch>
+            <a:fillRect/>
+          </a:stretch>
+        </p:blipFill>
+        <p:spPr>
+          <a:xfrm>
+            <a:off x="6726899" y="5067625"/>
+            <a:ext cx="1473200" cy="1244600"/>
+          </a:xfrm>
+          <a:prstGeom prst="rect">
+            <a:avLst/>
+          </a:prstGeom>
+        </p:spPr>
+      </p:pic>
     </p:spTree>
     <p:extLst>
       <p:ext uri="{BB962C8B-B14F-4D97-AF65-F5344CB8AC3E}">
@@ -7687,11 +7595,7 @@
             </a:r>
             <a:r>
               <a:rPr lang="en-US" dirty="0" smtClean="0"/>
-              <a:t>)</a:t>
-            </a:r>
-            <a:r>
-              <a:rPr lang="en-US" dirty="0" smtClean="0"/>
-              <a:t>.</a:t>
+              <a:t>).</a:t>
             </a:r>
           </a:p>
           <a:p>
@@ -7856,11 +7760,7 @@
             </a:r>
             <a:r>
               <a:rPr lang="en-US" dirty="0" smtClean="0"/>
-              <a:t>)</a:t>
-            </a:r>
-            <a:r>
-              <a:rPr lang="en-US" dirty="0" smtClean="0"/>
-              <a:t>.</a:t>
+              <a:t>).</a:t>
             </a:r>
           </a:p>
           <a:p>
@@ -8042,6 +7942,36 @@
           <a:xfrm>
             <a:off x="29752" y="163854"/>
             <a:ext cx="8354667" cy="6595150"/>
+          </a:xfrm>
+          <a:prstGeom prst="rect">
+            <a:avLst/>
+          </a:prstGeom>
+        </p:spPr>
+      </p:pic>
+      <p:pic>
+        <p:nvPicPr>
+          <p:cNvPr id="6" name="Picture 5" descr="Screen Shot 2014-12-31 at 02.11.31 PM.png"/>
+          <p:cNvPicPr>
+            <a:picLocks noChangeAspect="1"/>
+          </p:cNvPicPr>
+          <p:nvPr/>
+        </p:nvPicPr>
+        <p:blipFill>
+          <a:blip r:embed="rId3">
+            <a:extLst>
+              <a:ext uri="{28A0092B-C50C-407E-A947-70E740481C1C}">
+                <a14:useLocalDpi xmlns:a14="http://schemas.microsoft.com/office/drawing/2010/main" val="0"/>
+              </a:ext>
+            </a:extLst>
+          </a:blip>
+          <a:stretch>
+            <a:fillRect/>
+          </a:stretch>
+        </p:blipFill>
+        <p:spPr>
+          <a:xfrm>
+            <a:off x="6822484" y="5081280"/>
+            <a:ext cx="1473200" cy="1244600"/>
           </a:xfrm>
           <a:prstGeom prst="rect">
             <a:avLst/>
@@ -8150,11 +8080,7 @@
             </a:r>
             <a:r>
               <a:rPr lang="en-US" dirty="0" smtClean="0"/>
-              <a:t>” to save and quit, which leads you to the next spindle</a:t>
-            </a:r>
-            <a:r>
-              <a:rPr lang="en-US" dirty="0" smtClean="0"/>
-              <a:t>.</a:t>
+              <a:t>” to save and quit, which leads you to the next spindle.</a:t>
             </a:r>
           </a:p>
           <a:p>
@@ -8420,8 +8346,112 @@
             </a:r>
             <a:r>
               <a:rPr lang="en-US" dirty="0"/>
-              <a:t>So think twice before passing/finishing a spindle.</a:t>
-            </a:r>
+              <a:t>So think twice before passing/finishing a spindle</a:t>
+            </a:r>
+            <a:r>
+              <a:rPr lang="en-US" dirty="0" smtClean="0"/>
+              <a:t>.</a:t>
+            </a:r>
+          </a:p>
+          <a:p>
+            <a:pPr lvl="1"/>
+            <a:endParaRPr lang="en-US" dirty="0"/>
+          </a:p>
+          <a:p>
+            <a:pPr lvl="1"/>
+            <a:r>
+              <a:rPr lang="en-US" dirty="0" smtClean="0"/>
+              <a:t>You can use </a:t>
+            </a:r>
+            <a:r>
+              <a:rPr lang="en-US" b="1" i="1" u="sng" dirty="0" smtClean="0">
+                <a:solidFill>
+                  <a:srgbClr val="FF0000"/>
+                </a:solidFill>
+              </a:rPr>
+              <a:t>1/2</a:t>
+            </a:r>
+            <a:r>
+              <a:rPr lang="en-US" dirty="0" smtClean="0"/>
+              <a:t>, </a:t>
+            </a:r>
+            <a:r>
+              <a:rPr lang="en-US" b="1" i="1" u="sng" dirty="0" smtClean="0">
+                <a:solidFill>
+                  <a:srgbClr val="008000"/>
+                </a:solidFill>
+              </a:rPr>
+              <a:t>3/4</a:t>
+            </a:r>
+            <a:r>
+              <a:rPr lang="en-US" dirty="0" smtClean="0"/>
+              <a:t>, and </a:t>
+            </a:r>
+            <a:r>
+              <a:rPr lang="en-US" b="1" i="1" u="sng" dirty="0" smtClean="0">
+                <a:solidFill>
+                  <a:srgbClr val="0000FF"/>
+                </a:solidFill>
+              </a:rPr>
+              <a:t>5/6</a:t>
+            </a:r>
+            <a:r>
+              <a:rPr lang="en-US" dirty="0" smtClean="0"/>
+              <a:t> key pairs to </a:t>
+            </a:r>
+          </a:p>
+          <a:p>
+            <a:pPr marL="411480" lvl="1" indent="0">
+              <a:buNone/>
+            </a:pPr>
+            <a:r>
+              <a:rPr lang="en-US" dirty="0" smtClean="0"/>
+              <a:t>adjust the display of R, G, B channels. This only</a:t>
+            </a:r>
+          </a:p>
+          <a:p>
+            <a:pPr marL="411480" lvl="1" indent="0">
+              <a:buNone/>
+            </a:pPr>
+            <a:r>
+              <a:rPr lang="en-US" dirty="0" smtClean="0"/>
+              <a:t>alters the display (contrast), not affecting the </a:t>
+            </a:r>
+            <a:r>
+              <a:rPr lang="en-US" dirty="0" smtClean="0"/>
+              <a:t>data</a:t>
+            </a:r>
+          </a:p>
+          <a:p>
+            <a:pPr marL="411480" lvl="1" indent="0">
+              <a:buNone/>
+            </a:pPr>
+            <a:r>
+              <a:rPr lang="en-US" dirty="0" smtClean="0"/>
+              <a:t>in the image to be quantified. Use </a:t>
+            </a:r>
+            <a:r>
+              <a:rPr lang="en-US" b="1" i="1" u="sng" dirty="0" smtClean="0">
+                <a:solidFill>
+                  <a:srgbClr val="800000"/>
+                </a:solidFill>
+              </a:rPr>
+              <a:t>t</a:t>
+            </a:r>
+            <a:r>
+              <a:rPr lang="en-US" dirty="0" smtClean="0"/>
+              <a:t> to reset color</a:t>
+            </a:r>
+          </a:p>
+          <a:p>
+            <a:pPr marL="411480" lvl="1" indent="0">
+              <a:buNone/>
+            </a:pPr>
+            <a:r>
+              <a:rPr lang="en-US" dirty="0" smtClean="0"/>
+              <a:t>display (not reset rotation or lines).</a:t>
+            </a:r>
+            <a:endParaRPr lang="en-US" dirty="0"/>
           </a:p>
         </p:txBody>
       </p:sp>
@@ -8462,6 +8492,36 @@
           </a:p>
         </p:txBody>
       </p:sp>
+      <p:pic>
+        <p:nvPicPr>
+          <p:cNvPr id="2" name="Picture 1" descr="Screen Shot 2014-12-31 at 02.11.31 PM.png"/>
+          <p:cNvPicPr>
+            <a:picLocks noChangeAspect="1"/>
+          </p:cNvPicPr>
+          <p:nvPr/>
+        </p:nvPicPr>
+        <p:blipFill>
+          <a:blip r:embed="rId2">
+            <a:extLst>
+              <a:ext uri="{28A0092B-C50C-407E-A947-70E740481C1C}">
+                <a14:useLocalDpi xmlns:a14="http://schemas.microsoft.com/office/drawing/2010/main" val="0"/>
+              </a:ext>
+            </a:extLst>
+          </a:blip>
+          <a:stretch>
+            <a:fillRect/>
+          </a:stretch>
+        </p:blipFill>
+        <p:spPr>
+          <a:xfrm>
+            <a:off x="6604000" y="4864848"/>
+            <a:ext cx="1473200" cy="1244600"/>
+          </a:xfrm>
+          <a:prstGeom prst="rect">
+            <a:avLst/>
+          </a:prstGeom>
+        </p:spPr>
+      </p:pic>
     </p:spTree>
     <p:extLst>
       <p:ext uri="{BB962C8B-B14F-4D97-AF65-F5344CB8AC3E}">
@@ -8605,21 +8665,7 @@
                 <a:latin typeface="Courier"/>
                 <a:cs typeface="Courier"/>
               </a:rPr>
-              <a:t>“3. M+</a:t>
-            </a:r>
-            <a:r>
-              <a:rPr lang="en-US" dirty="0" smtClean="0">
-                <a:latin typeface="Courier"/>
-                <a:cs typeface="Courier"/>
-              </a:rPr>
-              <a:t>F2MCAK_analysis/</a:t>
-            </a:r>
-            <a:r>
-              <a:rPr lang="en-US" dirty="0" smtClean="0">
-                <a:latin typeface="Courier"/>
-                <a:cs typeface="Courier"/>
-              </a:rPr>
-              <a:t>summary/3. M+F2MCAK_002.eps”</a:t>
+              <a:t>“3. M+F2MCAK_analysis/summary/3. M+F2MCAK_002.eps”</a:t>
             </a:r>
             <a:r>
               <a:rPr lang="en-US" dirty="0" smtClean="0">
@@ -9056,11 +9102,7 @@
             </a:r>
             <a:r>
               <a:rPr lang="en-US" dirty="0" smtClean="0"/>
-              <a:t> </a:t>
-            </a:r>
-            <a:r>
-              <a:rPr lang="en-US" dirty="0" smtClean="0"/>
-              <a:t>is labeled MTs). Ratio at each pixel position is calculated by dividing the </a:t>
+              <a:t> is labeled MTs). Ratio at each pixel position is calculated by dividing the </a:t>
             </a:r>
             <a:r>
               <a:rPr lang="en-US" dirty="0" smtClean="0">
@@ -9072,11 +9114,7 @@
             </a:r>
             <a:r>
               <a:rPr lang="en-US" dirty="0" smtClean="0"/>
-              <a:t>intensity </a:t>
-            </a:r>
-            <a:r>
-              <a:rPr lang="en-US" dirty="0" smtClean="0"/>
-              <a:t>by </a:t>
+              <a:t>intensity by </a:t>
             </a:r>
             <a:r>
               <a:rPr lang="en-US" dirty="0" err="1">
@@ -9088,11 +9126,7 @@
             </a:r>
             <a:r>
               <a:rPr lang="en-US" dirty="0" smtClean="0"/>
-              <a:t>. </a:t>
-            </a:r>
-            <a:r>
-              <a:rPr lang="en-US" dirty="0" smtClean="0"/>
-              <a:t>X-axis is normalized to 0%-to-100% and the </a:t>
+              <a:t>. X-axis is normalized to 0%-to-100% and the </a:t>
             </a:r>
             <a:r>
               <a:rPr lang="en-US" dirty="0" smtClean="0">
@@ -9480,11 +9514,7 @@
             </a:r>
             <a:r>
               <a:rPr lang="en-US" dirty="0" smtClean="0"/>
-              <a:t> </a:t>
-            </a:r>
-            <a:r>
-              <a:rPr lang="en-US" dirty="0" smtClean="0"/>
-              <a:t>ratio of each spindle is calculated by simple division. </a:t>
+              <a:t> ratio of each spindle is calculated by simple division. </a:t>
             </a:r>
             <a:endParaRPr lang="en-US" dirty="0"/>
           </a:p>
@@ -10059,11 +10089,7 @@
           <a:p>
             <a:r>
               <a:rPr lang="en-US" dirty="0" smtClean="0"/>
-              <a:t>Notes</a:t>
-            </a:r>
-            <a:r>
-              <a:rPr lang="en-US" dirty="0" smtClean="0"/>
-              <a:t>:</a:t>
+              <a:t>Notes:</a:t>
             </a:r>
           </a:p>
           <a:p>
@@ -10222,7 +10248,6 @@
               <a:rPr lang="en-US" dirty="0" smtClean="0"/>
               <a:t>. (see “MATLAB data structure” page)</a:t>
             </a:r>
-            <a:endParaRPr lang="en-US" dirty="0" smtClean="0"/>
           </a:p>
           <a:p>
             <a:pPr lvl="1"/>
@@ -10873,12 +10898,91 @@
           <a:p>
             <a:r>
               <a:rPr lang="en-US" dirty="0" smtClean="0"/>
-              <a:t>Arguments</a:t>
+              <a:t>Arguments:</a:t>
+            </a:r>
+          </a:p>
+          <a:p>
+            <a:pPr lvl="1"/>
+            <a:r>
+              <a:rPr lang="en-US" b="1" dirty="0" err="1" smtClean="0">
+                <a:solidFill>
+                  <a:srgbClr val="008000"/>
+                </a:solidFill>
+                <a:latin typeface="Courier"/>
+                <a:cs typeface="Courier"/>
+              </a:rPr>
+              <a:t>spd_data</a:t>
             </a:r>
             <a:r>
               <a:rPr lang="en-US" dirty="0" smtClean="0"/>
               <a:t>:</a:t>
             </a:r>
+            <a:r>
+              <a:rPr lang="en-US" i="1" dirty="0" smtClean="0">
+                <a:solidFill>
+                  <a:schemeClr val="accent3"/>
+                </a:solidFill>
+              </a:rPr>
+              <a:t> (type </a:t>
+            </a:r>
+            <a:r>
+              <a:rPr lang="en-US" i="1" dirty="0" err="1" smtClean="0">
+                <a:solidFill>
+                  <a:schemeClr val="accent3"/>
+                </a:solidFill>
+              </a:rPr>
+              <a:t>spd_data</a:t>
+            </a:r>
+            <a:r>
+              <a:rPr lang="en-US" i="1" dirty="0" smtClean="0">
+                <a:solidFill>
+                  <a:schemeClr val="accent3"/>
+                </a:solidFill>
+              </a:rPr>
+              <a:t> </a:t>
+            </a:r>
+            <a:r>
+              <a:rPr lang="en-US" i="1" dirty="0" err="1" smtClean="0">
+                <a:solidFill>
+                  <a:schemeClr val="accent3"/>
+                </a:solidFill>
+              </a:rPr>
+              <a:t>struct</a:t>
+            </a:r>
+            <a:r>
+              <a:rPr lang="en-US" i="1" dirty="0" smtClean="0">
+                <a:solidFill>
+                  <a:schemeClr val="accent3"/>
+                </a:solidFill>
+              </a:rPr>
+              <a:t>)</a:t>
+            </a:r>
+            <a:r>
+              <a:rPr lang="en-US" dirty="0" smtClean="0"/>
+              <a:t>, the </a:t>
+            </a:r>
+            <a:r>
+              <a:rPr lang="en-US" dirty="0" err="1" smtClean="0">
+                <a:latin typeface="Courier"/>
+                <a:cs typeface="Courier"/>
+              </a:rPr>
+              <a:t>spd_data</a:t>
+            </a:r>
+            <a:r>
+              <a:rPr lang="en-US" dirty="0" smtClean="0"/>
+              <a:t> variable from </a:t>
+            </a:r>
+            <a:r>
+              <a:rPr lang="en-US" dirty="0" err="1" smtClean="0">
+                <a:latin typeface="Courier"/>
+                <a:cs typeface="Courier"/>
+              </a:rPr>
+              <a:t>save.mat</a:t>
+            </a:r>
+            <a:r>
+              <a:rPr lang="en-US" dirty="0" smtClean="0"/>
+              <a:t>.</a:t>
+            </a:r>
           </a:p>
           <a:p>
             <a:pPr lvl="1"/>
@@ -10890,7 +10994,7 @@
                 <a:latin typeface="Courier"/>
                 <a:cs typeface="Courier"/>
               </a:rPr>
-              <a:t>spd_data</a:t>
+              <a:t>str_title</a:t>
             </a:r>
             <a:r>
               <a:rPr lang="en-US" dirty="0" smtClean="0"/>
@@ -10899,187 +11003,43 @@
             <a:r>
               <a:rPr lang="en-US" i="1" dirty="0" smtClean="0">
                 <a:solidFill>
-                  <a:schemeClr val="accent3"/>
-                </a:solidFill>
-              </a:rPr>
-              <a:t> </a:t>
+                  <a:srgbClr val="FA8716"/>
+                </a:solidFill>
+              </a:rPr>
+              <a:t> (type string)</a:t>
+            </a:r>
+            <a:r>
+              <a:rPr lang="en-US" dirty="0" smtClean="0"/>
+              <a:t>, the title of the plot, e.g. “MCAK-715AA splayed”. If not specified, default of folder name will be used.</a:t>
+            </a:r>
+          </a:p>
+          <a:p>
+            <a:pPr lvl="1"/>
+            <a:r>
+              <a:rPr lang="en-US" b="1" dirty="0" err="1" smtClean="0">
+                <a:solidFill>
+                  <a:srgbClr val="008000"/>
+                </a:solidFill>
+                <a:latin typeface="Courier"/>
+                <a:cs typeface="Courier"/>
+              </a:rPr>
+              <a:t>file_name</a:t>
+            </a:r>
+            <a:r>
+              <a:rPr lang="en-US" dirty="0" smtClean="0"/>
+              <a:t>:</a:t>
             </a:r>
             <a:r>
               <a:rPr lang="en-US" i="1" dirty="0" smtClean="0">
                 <a:solidFill>
-                  <a:schemeClr val="accent3"/>
-                </a:solidFill>
-              </a:rPr>
-              <a:t>(type </a:t>
-            </a:r>
-            <a:r>
-              <a:rPr lang="en-US" i="1" dirty="0" err="1" smtClean="0">
-                <a:solidFill>
-                  <a:schemeClr val="accent3"/>
-                </a:solidFill>
-              </a:rPr>
-              <a:t>spd_data</a:t>
-            </a:r>
-            <a:r>
-              <a:rPr lang="en-US" i="1" dirty="0" smtClean="0">
-                <a:solidFill>
-                  <a:schemeClr val="accent3"/>
-                </a:solidFill>
-              </a:rPr>
-              <a:t> </a:t>
-            </a:r>
-            <a:r>
-              <a:rPr lang="en-US" i="1" dirty="0" err="1" smtClean="0">
-                <a:solidFill>
-                  <a:schemeClr val="accent3"/>
-                </a:solidFill>
-              </a:rPr>
-              <a:t>struct</a:t>
-            </a:r>
-            <a:r>
-              <a:rPr lang="en-US" i="1" dirty="0" smtClean="0">
-                <a:solidFill>
-                  <a:schemeClr val="accent3"/>
-                </a:solidFill>
-              </a:rPr>
-              <a:t>)</a:t>
-            </a:r>
-            <a:r>
-              <a:rPr lang="en-US" dirty="0" smtClean="0"/>
-              <a:t>, the </a:t>
-            </a:r>
-            <a:r>
-              <a:rPr lang="en-US" dirty="0" err="1" smtClean="0">
-                <a:latin typeface="Courier"/>
-                <a:cs typeface="Courier"/>
-              </a:rPr>
-              <a:t>spd_data</a:t>
-            </a:r>
-            <a:r>
-              <a:rPr lang="en-US" dirty="0" smtClean="0"/>
-              <a:t> variable from </a:t>
-            </a:r>
-            <a:r>
-              <a:rPr lang="en-US" dirty="0" err="1" smtClean="0">
-                <a:latin typeface="Courier"/>
-                <a:cs typeface="Courier"/>
-              </a:rPr>
-              <a:t>save.mat</a:t>
-            </a:r>
-            <a:r>
-              <a:rPr lang="en-US" dirty="0" smtClean="0"/>
-              <a:t>.</a:t>
-            </a:r>
-            <a:endParaRPr lang="en-US" dirty="0" smtClean="0"/>
-          </a:p>
-          <a:p>
-            <a:pPr lvl="1"/>
-            <a:r>
-              <a:rPr lang="en-US" b="1" dirty="0" err="1" smtClean="0">
-                <a:solidFill>
-                  <a:srgbClr val="008000"/>
-                </a:solidFill>
-                <a:latin typeface="Courier"/>
-                <a:cs typeface="Courier"/>
-              </a:rPr>
-              <a:t>str_title</a:t>
-            </a:r>
-            <a:r>
-              <a:rPr lang="en-US" dirty="0" smtClean="0"/>
-              <a:t>:</a:t>
-            </a:r>
-            <a:r>
-              <a:rPr lang="en-US" i="1" dirty="0" smtClean="0">
-                <a:solidFill>
                   <a:srgbClr val="FA8716"/>
                 </a:solidFill>
               </a:rPr>
-              <a:t> </a:t>
-            </a:r>
-            <a:r>
-              <a:rPr lang="en-US" i="1" dirty="0" smtClean="0">
-                <a:solidFill>
-                  <a:srgbClr val="FA8716"/>
-                </a:solidFill>
-              </a:rPr>
-              <a:t>(type </a:t>
-            </a:r>
-            <a:r>
-              <a:rPr lang="en-US" i="1" dirty="0" smtClean="0">
-                <a:solidFill>
-                  <a:srgbClr val="FA8716"/>
-                </a:solidFill>
-              </a:rPr>
-              <a:t>string)</a:t>
-            </a:r>
-            <a:r>
-              <a:rPr lang="en-US" dirty="0" smtClean="0"/>
-              <a:t>, the </a:t>
-            </a:r>
-            <a:r>
-              <a:rPr lang="en-US" dirty="0" smtClean="0"/>
-              <a:t>title of the plot, e.g. “MCAK-715AA splayed”. </a:t>
-            </a:r>
-            <a:r>
-              <a:rPr lang="en-US" dirty="0" smtClean="0"/>
-              <a:t>If not specified, default of </a:t>
-            </a:r>
-            <a:r>
-              <a:rPr lang="en-US" dirty="0" smtClean="0"/>
-              <a:t>folder name </a:t>
-            </a:r>
-            <a:r>
-              <a:rPr lang="en-US" dirty="0" smtClean="0"/>
-              <a:t>will be used.</a:t>
-            </a:r>
-          </a:p>
-          <a:p>
-            <a:pPr lvl="1"/>
-            <a:r>
-              <a:rPr lang="en-US" b="1" dirty="0" err="1" smtClean="0">
-                <a:solidFill>
-                  <a:srgbClr val="008000"/>
-                </a:solidFill>
-                <a:latin typeface="Courier"/>
-                <a:cs typeface="Courier"/>
-              </a:rPr>
-              <a:t>file_name</a:t>
-            </a:r>
-            <a:r>
-              <a:rPr lang="en-US" dirty="0" smtClean="0"/>
-              <a:t>:</a:t>
-            </a:r>
-            <a:r>
-              <a:rPr lang="en-US" i="1" dirty="0" smtClean="0">
-                <a:solidFill>
-                  <a:srgbClr val="FA8716"/>
-                </a:solidFill>
-              </a:rPr>
-              <a:t> </a:t>
-            </a:r>
-            <a:r>
-              <a:rPr lang="en-US" i="1" dirty="0" smtClean="0">
-                <a:solidFill>
-                  <a:srgbClr val="FA8716"/>
-                </a:solidFill>
-              </a:rPr>
-              <a:t>(type </a:t>
-            </a:r>
-            <a:r>
-              <a:rPr lang="en-US" i="1" dirty="0" smtClean="0">
-                <a:solidFill>
-                  <a:srgbClr val="FA8716"/>
-                </a:solidFill>
-              </a:rPr>
-              <a:t>string)</a:t>
-            </a:r>
-            <a:r>
-              <a:rPr lang="en-US" dirty="0" smtClean="0"/>
-              <a:t>, the </a:t>
-            </a:r>
-            <a:r>
-              <a:rPr lang="en-US" dirty="0" smtClean="0"/>
-              <a:t>saved .</a:t>
+              <a:t> (type string)</a:t>
+            </a:r>
+            <a:r>
+              <a:rPr lang="en-US" dirty="0" smtClean="0"/>
+              <a:t>, the saved .</a:t>
             </a:r>
             <a:r>
               <a:rPr lang="en-US" dirty="0" err="1" smtClean="0"/>
@@ -11087,15 +11047,7 @@
             </a:r>
             <a:r>
               <a:rPr lang="en-US" dirty="0" smtClean="0"/>
-              <a:t> file name. </a:t>
-            </a:r>
-            <a:r>
-              <a:rPr lang="en-US" dirty="0" smtClean="0"/>
-              <a:t>If not specified, default of </a:t>
-            </a:r>
-            <a:r>
-              <a:rPr lang="en-US" dirty="0" smtClean="0"/>
-              <a:t>“</a:t>
+              <a:t> file name. If not specified, default of “</a:t>
             </a:r>
             <a:r>
               <a:rPr lang="en-US" dirty="0" err="1" smtClean="0"/>
@@ -11103,15 +11055,7 @@
             </a:r>
             <a:r>
               <a:rPr lang="en-US" dirty="0" smtClean="0"/>
-              <a:t>” </a:t>
-            </a:r>
-            <a:r>
-              <a:rPr lang="en-US" dirty="0" smtClean="0"/>
-              <a:t>will be used</a:t>
-            </a:r>
-            <a:r>
-              <a:rPr lang="en-US" dirty="0" smtClean="0"/>
-              <a:t>.</a:t>
+              <a:t>” will be used.</a:t>
             </a:r>
           </a:p>
           <a:p>
@@ -11187,7 +11131,6 @@
               <a:rPr lang="en-US" dirty="0" smtClean="0"/>
               <a:t>, the number of bins used to group ratio data points. If not specified, default of 100 will be used, meaning one ratio data point for every 1%.</a:t>
             </a:r>
-            <a:endParaRPr lang="en-US" dirty="0" smtClean="0"/>
           </a:p>
         </p:txBody>
       </p:sp>
@@ -11286,15 +11229,7 @@
             <a:pPr lvl="1"/>
             <a:r>
               <a:rPr lang="en-US" dirty="0" smtClean="0"/>
-              <a:t>First</a:t>
-            </a:r>
-            <a:r>
-              <a:rPr lang="en-US" dirty="0" smtClean="0"/>
-              <a:t>, </a:t>
-            </a:r>
-            <a:r>
-              <a:rPr lang="en-US" dirty="0" smtClean="0"/>
-              <a:t>load the </a:t>
+              <a:t>First, load the </a:t>
             </a:r>
             <a:r>
               <a:rPr lang="en-US" dirty="0" err="1" smtClean="0">
@@ -11317,11 +11252,7 @@
             </a:r>
             <a:r>
               <a:rPr lang="en-US" dirty="0" smtClean="0"/>
-              <a:t>” folder. This loads the previously saved data into MATLAB session. </a:t>
-            </a:r>
-            <a:r>
-              <a:rPr lang="en-US" dirty="0" smtClean="0"/>
-              <a:t>The </a:t>
+              <a:t>” folder. This loads the previously saved data into MATLAB session. The </a:t>
             </a:r>
             <a:r>
               <a:rPr lang="en-US" dirty="0" err="1" smtClean="0">
@@ -11425,7 +11356,6 @@
               <a:rPr lang="en-US" dirty="0" smtClean="0"/>
               <a:t>Same as before.</a:t>
             </a:r>
-            <a:endParaRPr lang="en-US" dirty="0" smtClean="0"/>
           </a:p>
           <a:p>
             <a:pPr lvl="1"/>
@@ -11609,15 +11539,7 @@
                   <a:srgbClr val="FF0000"/>
                 </a:solidFill>
               </a:rPr>
-              <a:t>You should “Set Path” first to include those </a:t>
-            </a:r>
-            <a:r>
-              <a:rPr lang="en-US" dirty="0" smtClean="0">
-                <a:solidFill>
-                  <a:srgbClr val="FF0000"/>
-                </a:solidFill>
-              </a:rPr>
-              <a:t>scripts (</a:t>
+              <a:t>You should “Set Path” first to include those scripts (</a:t>
             </a:r>
             <a:r>
               <a:rPr lang="en-US" i="1" u="sng" dirty="0" smtClean="0">
@@ -11755,14 +11677,7 @@
                 <a:latin typeface="Courier"/>
                 <a:cs typeface="Courier"/>
               </a:rPr>
-              <a:t>o</a:t>
-            </a:r>
-            <a:r>
-              <a:rPr lang="en-US" dirty="0" err="1" smtClean="0">
-                <a:latin typeface="Courier"/>
-                <a:cs typeface="Courier"/>
-              </a:rPr>
-              <a:t>bj_select</a:t>
+              <a:t>obj_select</a:t>
             </a:r>
             <a:endParaRPr lang="en-US" dirty="0" smtClean="0">
               <a:latin typeface="Courier"/>
@@ -11783,14 +11698,7 @@
                 <a:latin typeface="Arial"/>
                 <a:cs typeface="Arial"/>
               </a:rPr>
-              <a:t>This is the return variable that holds the data. </a:t>
-            </a:r>
-            <a:r>
-              <a:rPr lang="en-US" dirty="0" smtClean="0">
-                <a:latin typeface="Arial"/>
-                <a:cs typeface="Arial"/>
-              </a:rPr>
-              <a:t>It is a </a:t>
+              <a:t>This is the return variable that holds the data. It is a </a:t>
             </a:r>
             <a:r>
               <a:rPr lang="en-US" dirty="0" err="1" smtClean="0">
@@ -11951,10 +11859,6 @@
               </a:rPr>
               <a:t>See “MATLAB data structure” page.</a:t>
             </a:r>
-            <a:endParaRPr lang="en-US" dirty="0" smtClean="0">
-              <a:latin typeface="Arial"/>
-              <a:cs typeface="Arial"/>
-            </a:endParaRPr>
           </a:p>
           <a:p>
             <a:pPr lvl="1"/>
@@ -12084,7 +11988,6 @@
               <a:rPr lang="en-US" dirty="0" smtClean="0"/>
               <a:t>First, you will be asked to type in the selection:</a:t>
             </a:r>
-            <a:endParaRPr lang="en-US" dirty="0" smtClean="0"/>
           </a:p>
           <a:p>
             <a:endParaRPr lang="en-US" dirty="0" smtClean="0"/>
@@ -12356,7 +12259,6 @@
               <a:rPr lang="en-US" dirty="0" smtClean="0"/>
               <a:t>);</a:t>
             </a:r>
-            <a:endParaRPr lang="en-US" dirty="0" smtClean="0"/>
           </a:p>
         </p:txBody>
       </p:sp>
@@ -18278,6 +18180,13 @@
   <p:clrMapOvr>
     <a:masterClrMapping/>
   </p:clrMapOvr>
+  <p:timing>
+    <p:tnLst>
+      <p:par>
+        <p:cTn xmlns:p14="http://schemas.microsoft.com/office/powerpoint/2010/main" id="1" dur="indefinite" restart="never" nodeType="tmRoot"/>
+      </p:par>
+    </p:tnLst>
+  </p:timing>
 </p:sld>
 </file>
 
@@ -18300,44 +18209,6 @@
       </p:grpSpPr>
       <p:sp>
         <p:nvSpPr>
-          <p:cNvPr id="2" name="Title 1"/>
-          <p:cNvSpPr>
-            <a:spLocks noGrp="1"/>
-          </p:cNvSpPr>
-          <p:nvPr>
-            <p:ph type="title"/>
-          </p:nvPr>
-        </p:nvSpPr>
-        <p:spPr/>
-        <p:txBody>
-          <a:bodyPr/>
-          <a:lstStyle/>
-          <a:p>
-            <a:endParaRPr lang="en-US"/>
-          </a:p>
-        </p:txBody>
-      </p:sp>
-      <p:sp>
-        <p:nvSpPr>
-          <p:cNvPr id="3" name="Content Placeholder 2"/>
-          <p:cNvSpPr>
-            <a:spLocks noGrp="1"/>
-          </p:cNvSpPr>
-          <p:nvPr>
-            <p:ph idx="1"/>
-          </p:nvPr>
-        </p:nvSpPr>
-        <p:spPr/>
-        <p:txBody>
-          <a:bodyPr/>
-          <a:lstStyle/>
-          <a:p>
-            <a:endParaRPr lang="en-US"/>
-          </a:p>
-        </p:txBody>
-      </p:sp>
-      <p:sp>
-        <p:nvSpPr>
           <p:cNvPr id="4" name="Slide Number Placeholder 3"/>
           <p:cNvSpPr>
             <a:spLocks noGrp="1"/>
@@ -18363,6 +18234,1946 @@
             <a:endParaRPr lang="en-US" dirty="0">
               <a:solidFill>
                 <a:srgbClr val="FF0000"/>
+              </a:solidFill>
+            </a:endParaRPr>
+          </a:p>
+        </p:txBody>
+      </p:sp>
+      <p:sp>
+        <p:nvSpPr>
+          <p:cNvPr id="6" name="Title 1"/>
+          <p:cNvSpPr>
+            <a:spLocks noGrp="1"/>
+          </p:cNvSpPr>
+          <p:nvPr>
+            <p:ph type="title"/>
+          </p:nvPr>
+        </p:nvSpPr>
+        <p:spPr>
+          <a:xfrm>
+            <a:off x="457200" y="274638"/>
+            <a:ext cx="7620000" cy="1143000"/>
+          </a:xfrm>
+        </p:spPr>
+        <p:txBody>
+          <a:bodyPr/>
+          <a:lstStyle/>
+          <a:p>
+            <a:r>
+              <a:rPr lang="en-US" dirty="0" smtClean="0"/>
+              <a:t>Box-scan Quantitation</a:t>
+            </a:r>
+            <a:endParaRPr lang="en-US" dirty="0"/>
+          </a:p>
+        </p:txBody>
+      </p:sp>
+      <p:pic>
+        <p:nvPicPr>
+          <p:cNvPr id="7" name="Picture 6" descr="Screen Shot 2014-12-30 at 12.17.21 AM.png"/>
+          <p:cNvPicPr>
+            <a:picLocks noChangeAspect="1"/>
+          </p:cNvPicPr>
+          <p:nvPr/>
+        </p:nvPicPr>
+        <p:blipFill rotWithShape="1">
+          <a:blip r:embed="rId2">
+            <a:extLst>
+              <a:ext uri="{28A0092B-C50C-407E-A947-70E740481C1C}">
+                <a14:useLocalDpi xmlns:a14="http://schemas.microsoft.com/office/drawing/2010/main" val="0"/>
+              </a:ext>
+            </a:extLst>
+          </a:blip>
+          <a:srcRect l="38082" t="33722" r="45201" b="36659"/>
+          <a:stretch/>
+        </p:blipFill>
+        <p:spPr>
+          <a:xfrm>
+            <a:off x="695046" y="1540533"/>
+            <a:ext cx="1857135" cy="2689947"/>
+          </a:xfrm>
+          <a:prstGeom prst="rect">
+            <a:avLst/>
+          </a:prstGeom>
+        </p:spPr>
+      </p:pic>
+      <p:pic>
+        <p:nvPicPr>
+          <p:cNvPr id="8" name="Picture 7" descr="Screen Shot 2014-12-30 at 12.17.21 AM.png"/>
+          <p:cNvPicPr>
+            <a:picLocks noChangeAspect="1"/>
+          </p:cNvPicPr>
+          <p:nvPr/>
+        </p:nvPicPr>
+        <p:blipFill rotWithShape="1">
+          <a:blip r:embed="rId2">
+            <a:extLst>
+              <a:ext uri="{28A0092B-C50C-407E-A947-70E740481C1C}">
+                <a14:useLocalDpi xmlns:a14="http://schemas.microsoft.com/office/drawing/2010/main" val="0"/>
+              </a:ext>
+            </a:extLst>
+          </a:blip>
+          <a:srcRect l="38082" t="33722" r="45201" b="36659"/>
+          <a:stretch/>
+        </p:blipFill>
+        <p:spPr>
+          <a:xfrm>
+            <a:off x="5189864" y="1540533"/>
+            <a:ext cx="1857135" cy="2689947"/>
+          </a:xfrm>
+          <a:prstGeom prst="rect">
+            <a:avLst/>
+          </a:prstGeom>
+        </p:spPr>
+      </p:pic>
+      <p:cxnSp>
+        <p:nvCxnSpPr>
+          <p:cNvPr id="10" name="Straight Connector 9"/>
+          <p:cNvCxnSpPr/>
+          <p:nvPr/>
+        </p:nvCxnSpPr>
+        <p:spPr>
+          <a:xfrm>
+            <a:off x="1446093" y="1283532"/>
+            <a:ext cx="0" cy="3222475"/>
+          </a:xfrm>
+          <a:prstGeom prst="line">
+            <a:avLst/>
+          </a:prstGeom>
+          <a:ln>
+            <a:solidFill>
+              <a:schemeClr val="tx1"/>
+            </a:solidFill>
+          </a:ln>
+          <a:effectLst/>
+        </p:spPr>
+        <p:style>
+          <a:lnRef idx="2">
+            <a:schemeClr val="accent1"/>
+          </a:lnRef>
+          <a:fillRef idx="0">
+            <a:schemeClr val="accent1"/>
+          </a:fillRef>
+          <a:effectRef idx="1">
+            <a:schemeClr val="accent1"/>
+          </a:effectRef>
+          <a:fontRef idx="minor">
+            <a:schemeClr val="tx1"/>
+          </a:fontRef>
+        </p:style>
+      </p:cxnSp>
+      <p:cxnSp>
+        <p:nvCxnSpPr>
+          <p:cNvPr id="11" name="Straight Connector 10"/>
+          <p:cNvCxnSpPr/>
+          <p:nvPr/>
+        </p:nvCxnSpPr>
+        <p:spPr>
+          <a:xfrm>
+            <a:off x="1502903" y="1283532"/>
+            <a:ext cx="0" cy="3222475"/>
+          </a:xfrm>
+          <a:prstGeom prst="line">
+            <a:avLst/>
+          </a:prstGeom>
+          <a:ln>
+            <a:solidFill>
+              <a:schemeClr val="tx1"/>
+            </a:solidFill>
+          </a:ln>
+          <a:effectLst/>
+        </p:spPr>
+        <p:style>
+          <a:lnRef idx="2">
+            <a:schemeClr val="accent1"/>
+          </a:lnRef>
+          <a:fillRef idx="0">
+            <a:schemeClr val="accent1"/>
+          </a:fillRef>
+          <a:effectRef idx="1">
+            <a:schemeClr val="accent1"/>
+          </a:effectRef>
+          <a:fontRef idx="minor">
+            <a:schemeClr val="tx1"/>
+          </a:fontRef>
+        </p:style>
+      </p:cxnSp>
+      <p:cxnSp>
+        <p:nvCxnSpPr>
+          <p:cNvPr id="12" name="Straight Connector 11"/>
+          <p:cNvCxnSpPr/>
+          <p:nvPr/>
+        </p:nvCxnSpPr>
+        <p:spPr>
+          <a:xfrm>
+            <a:off x="1393660" y="1283532"/>
+            <a:ext cx="0" cy="3222475"/>
+          </a:xfrm>
+          <a:prstGeom prst="line">
+            <a:avLst/>
+          </a:prstGeom>
+          <a:ln>
+            <a:solidFill>
+              <a:schemeClr val="tx1"/>
+            </a:solidFill>
+          </a:ln>
+          <a:effectLst/>
+        </p:spPr>
+        <p:style>
+          <a:lnRef idx="2">
+            <a:schemeClr val="accent1"/>
+          </a:lnRef>
+          <a:fillRef idx="0">
+            <a:schemeClr val="accent1"/>
+          </a:fillRef>
+          <a:effectRef idx="1">
+            <a:schemeClr val="accent1"/>
+          </a:effectRef>
+          <a:fontRef idx="minor">
+            <a:schemeClr val="tx1"/>
+          </a:fontRef>
+        </p:style>
+      </p:cxnSp>
+      <p:cxnSp>
+        <p:nvCxnSpPr>
+          <p:cNvPr id="13" name="Straight Connector 12"/>
+          <p:cNvCxnSpPr/>
+          <p:nvPr/>
+        </p:nvCxnSpPr>
+        <p:spPr>
+          <a:xfrm>
+            <a:off x="5759013" y="1283532"/>
+            <a:ext cx="0" cy="3222475"/>
+          </a:xfrm>
+          <a:prstGeom prst="line">
+            <a:avLst/>
+          </a:prstGeom>
+          <a:ln>
+            <a:solidFill>
+              <a:schemeClr val="tx1"/>
+            </a:solidFill>
+          </a:ln>
+          <a:effectLst/>
+        </p:spPr>
+        <p:style>
+          <a:lnRef idx="2">
+            <a:schemeClr val="accent1"/>
+          </a:lnRef>
+          <a:fillRef idx="0">
+            <a:schemeClr val="accent1"/>
+          </a:fillRef>
+          <a:effectRef idx="1">
+            <a:schemeClr val="accent1"/>
+          </a:effectRef>
+          <a:fontRef idx="minor">
+            <a:schemeClr val="tx1"/>
+          </a:fontRef>
+        </p:style>
+      </p:cxnSp>
+      <p:cxnSp>
+        <p:nvCxnSpPr>
+          <p:cNvPr id="14" name="Straight Connector 13"/>
+          <p:cNvCxnSpPr/>
+          <p:nvPr/>
+        </p:nvCxnSpPr>
+        <p:spPr>
+          <a:xfrm>
+            <a:off x="5815823" y="1283532"/>
+            <a:ext cx="0" cy="3222475"/>
+          </a:xfrm>
+          <a:prstGeom prst="line">
+            <a:avLst/>
+          </a:prstGeom>
+          <a:ln>
+            <a:solidFill>
+              <a:schemeClr val="tx1"/>
+            </a:solidFill>
+          </a:ln>
+          <a:effectLst/>
+        </p:spPr>
+        <p:style>
+          <a:lnRef idx="2">
+            <a:schemeClr val="accent1"/>
+          </a:lnRef>
+          <a:fillRef idx="0">
+            <a:schemeClr val="accent1"/>
+          </a:fillRef>
+          <a:effectRef idx="1">
+            <a:schemeClr val="accent1"/>
+          </a:effectRef>
+          <a:fontRef idx="minor">
+            <a:schemeClr val="tx1"/>
+          </a:fontRef>
+        </p:style>
+      </p:cxnSp>
+      <p:cxnSp>
+        <p:nvCxnSpPr>
+          <p:cNvPr id="15" name="Straight Connector 14"/>
+          <p:cNvCxnSpPr/>
+          <p:nvPr/>
+        </p:nvCxnSpPr>
+        <p:spPr>
+          <a:xfrm>
+            <a:off x="5706580" y="1283532"/>
+            <a:ext cx="0" cy="3222475"/>
+          </a:xfrm>
+          <a:prstGeom prst="line">
+            <a:avLst/>
+          </a:prstGeom>
+          <a:ln>
+            <a:solidFill>
+              <a:schemeClr val="tx1"/>
+            </a:solidFill>
+          </a:ln>
+          <a:effectLst/>
+        </p:spPr>
+        <p:style>
+          <a:lnRef idx="2">
+            <a:schemeClr val="accent1"/>
+          </a:lnRef>
+          <a:fillRef idx="0">
+            <a:schemeClr val="accent1"/>
+          </a:fillRef>
+          <a:effectRef idx="1">
+            <a:schemeClr val="accent1"/>
+          </a:effectRef>
+          <a:fontRef idx="minor">
+            <a:schemeClr val="tx1"/>
+          </a:fontRef>
+        </p:style>
+      </p:cxnSp>
+      <p:cxnSp>
+        <p:nvCxnSpPr>
+          <p:cNvPr id="16" name="Straight Connector 15"/>
+          <p:cNvCxnSpPr/>
+          <p:nvPr/>
+        </p:nvCxnSpPr>
+        <p:spPr>
+          <a:xfrm>
+            <a:off x="5922878" y="1283532"/>
+            <a:ext cx="0" cy="3222475"/>
+          </a:xfrm>
+          <a:prstGeom prst="line">
+            <a:avLst/>
+          </a:prstGeom>
+          <a:ln>
+            <a:solidFill>
+              <a:schemeClr val="tx1"/>
+            </a:solidFill>
+          </a:ln>
+          <a:effectLst/>
+        </p:spPr>
+        <p:style>
+          <a:lnRef idx="2">
+            <a:schemeClr val="accent1"/>
+          </a:lnRef>
+          <a:fillRef idx="0">
+            <a:schemeClr val="accent1"/>
+          </a:fillRef>
+          <a:effectRef idx="1">
+            <a:schemeClr val="accent1"/>
+          </a:effectRef>
+          <a:fontRef idx="minor">
+            <a:schemeClr val="tx1"/>
+          </a:fontRef>
+        </p:style>
+      </p:cxnSp>
+      <p:cxnSp>
+        <p:nvCxnSpPr>
+          <p:cNvPr id="17" name="Straight Connector 16"/>
+          <p:cNvCxnSpPr/>
+          <p:nvPr/>
+        </p:nvCxnSpPr>
+        <p:spPr>
+          <a:xfrm>
+            <a:off x="5979688" y="1283532"/>
+            <a:ext cx="0" cy="3222475"/>
+          </a:xfrm>
+          <a:prstGeom prst="line">
+            <a:avLst/>
+          </a:prstGeom>
+          <a:ln>
+            <a:solidFill>
+              <a:schemeClr val="tx1"/>
+            </a:solidFill>
+          </a:ln>
+          <a:effectLst/>
+        </p:spPr>
+        <p:style>
+          <a:lnRef idx="2">
+            <a:schemeClr val="accent1"/>
+          </a:lnRef>
+          <a:fillRef idx="0">
+            <a:schemeClr val="accent1"/>
+          </a:fillRef>
+          <a:effectRef idx="1">
+            <a:schemeClr val="accent1"/>
+          </a:effectRef>
+          <a:fontRef idx="minor">
+            <a:schemeClr val="tx1"/>
+          </a:fontRef>
+        </p:style>
+      </p:cxnSp>
+      <p:cxnSp>
+        <p:nvCxnSpPr>
+          <p:cNvPr id="18" name="Straight Connector 17"/>
+          <p:cNvCxnSpPr/>
+          <p:nvPr/>
+        </p:nvCxnSpPr>
+        <p:spPr>
+          <a:xfrm>
+            <a:off x="5870445" y="1283532"/>
+            <a:ext cx="0" cy="3222475"/>
+          </a:xfrm>
+          <a:prstGeom prst="line">
+            <a:avLst/>
+          </a:prstGeom>
+          <a:ln>
+            <a:solidFill>
+              <a:schemeClr val="tx1"/>
+            </a:solidFill>
+          </a:ln>
+          <a:effectLst/>
+        </p:spPr>
+        <p:style>
+          <a:lnRef idx="2">
+            <a:schemeClr val="accent1"/>
+          </a:lnRef>
+          <a:fillRef idx="0">
+            <a:schemeClr val="accent1"/>
+          </a:fillRef>
+          <a:effectRef idx="1">
+            <a:schemeClr val="accent1"/>
+          </a:effectRef>
+          <a:fontRef idx="minor">
+            <a:schemeClr val="tx1"/>
+          </a:fontRef>
+        </p:style>
+      </p:cxnSp>
+      <p:cxnSp>
+        <p:nvCxnSpPr>
+          <p:cNvPr id="19" name="Straight Connector 18"/>
+          <p:cNvCxnSpPr/>
+          <p:nvPr/>
+        </p:nvCxnSpPr>
+        <p:spPr>
+          <a:xfrm>
+            <a:off x="6086743" y="1283532"/>
+            <a:ext cx="0" cy="3222475"/>
+          </a:xfrm>
+          <a:prstGeom prst="line">
+            <a:avLst/>
+          </a:prstGeom>
+          <a:ln>
+            <a:solidFill>
+              <a:schemeClr val="tx1"/>
+            </a:solidFill>
+          </a:ln>
+          <a:effectLst/>
+        </p:spPr>
+        <p:style>
+          <a:lnRef idx="2">
+            <a:schemeClr val="accent1"/>
+          </a:lnRef>
+          <a:fillRef idx="0">
+            <a:schemeClr val="accent1"/>
+          </a:fillRef>
+          <a:effectRef idx="1">
+            <a:schemeClr val="accent1"/>
+          </a:effectRef>
+          <a:fontRef idx="minor">
+            <a:schemeClr val="tx1"/>
+          </a:fontRef>
+        </p:style>
+      </p:cxnSp>
+      <p:cxnSp>
+        <p:nvCxnSpPr>
+          <p:cNvPr id="20" name="Straight Connector 19"/>
+          <p:cNvCxnSpPr/>
+          <p:nvPr/>
+        </p:nvCxnSpPr>
+        <p:spPr>
+          <a:xfrm>
+            <a:off x="6143553" y="1283532"/>
+            <a:ext cx="0" cy="3222475"/>
+          </a:xfrm>
+          <a:prstGeom prst="line">
+            <a:avLst/>
+          </a:prstGeom>
+          <a:ln>
+            <a:solidFill>
+              <a:schemeClr val="tx1"/>
+            </a:solidFill>
+          </a:ln>
+          <a:effectLst/>
+        </p:spPr>
+        <p:style>
+          <a:lnRef idx="2">
+            <a:schemeClr val="accent1"/>
+          </a:lnRef>
+          <a:fillRef idx="0">
+            <a:schemeClr val="accent1"/>
+          </a:fillRef>
+          <a:effectRef idx="1">
+            <a:schemeClr val="accent1"/>
+          </a:effectRef>
+          <a:fontRef idx="minor">
+            <a:schemeClr val="tx1"/>
+          </a:fontRef>
+        </p:style>
+      </p:cxnSp>
+      <p:cxnSp>
+        <p:nvCxnSpPr>
+          <p:cNvPr id="21" name="Straight Connector 20"/>
+          <p:cNvCxnSpPr/>
+          <p:nvPr/>
+        </p:nvCxnSpPr>
+        <p:spPr>
+          <a:xfrm>
+            <a:off x="6034310" y="1283532"/>
+            <a:ext cx="0" cy="3222475"/>
+          </a:xfrm>
+          <a:prstGeom prst="line">
+            <a:avLst/>
+          </a:prstGeom>
+          <a:ln>
+            <a:solidFill>
+              <a:schemeClr val="tx1"/>
+            </a:solidFill>
+          </a:ln>
+          <a:effectLst/>
+        </p:spPr>
+        <p:style>
+          <a:lnRef idx="2">
+            <a:schemeClr val="accent1"/>
+          </a:lnRef>
+          <a:fillRef idx="0">
+            <a:schemeClr val="accent1"/>
+          </a:fillRef>
+          <a:effectRef idx="1">
+            <a:schemeClr val="accent1"/>
+          </a:effectRef>
+          <a:fontRef idx="minor">
+            <a:schemeClr val="tx1"/>
+          </a:fontRef>
+        </p:style>
+      </p:cxnSp>
+      <p:cxnSp>
+        <p:nvCxnSpPr>
+          <p:cNvPr id="22" name="Straight Connector 21"/>
+          <p:cNvCxnSpPr/>
+          <p:nvPr/>
+        </p:nvCxnSpPr>
+        <p:spPr>
+          <a:xfrm>
+            <a:off x="6252799" y="1283532"/>
+            <a:ext cx="0" cy="3222475"/>
+          </a:xfrm>
+          <a:prstGeom prst="line">
+            <a:avLst/>
+          </a:prstGeom>
+          <a:ln>
+            <a:solidFill>
+              <a:schemeClr val="tx1"/>
+            </a:solidFill>
+          </a:ln>
+          <a:effectLst/>
+        </p:spPr>
+        <p:style>
+          <a:lnRef idx="2">
+            <a:schemeClr val="accent1"/>
+          </a:lnRef>
+          <a:fillRef idx="0">
+            <a:schemeClr val="accent1"/>
+          </a:fillRef>
+          <a:effectRef idx="1">
+            <a:schemeClr val="accent1"/>
+          </a:effectRef>
+          <a:fontRef idx="minor">
+            <a:schemeClr val="tx1"/>
+          </a:fontRef>
+        </p:style>
+      </p:cxnSp>
+      <p:cxnSp>
+        <p:nvCxnSpPr>
+          <p:cNvPr id="23" name="Straight Connector 22"/>
+          <p:cNvCxnSpPr/>
+          <p:nvPr/>
+        </p:nvCxnSpPr>
+        <p:spPr>
+          <a:xfrm>
+            <a:off x="6309609" y="1283532"/>
+            <a:ext cx="0" cy="3222475"/>
+          </a:xfrm>
+          <a:prstGeom prst="line">
+            <a:avLst/>
+          </a:prstGeom>
+          <a:ln>
+            <a:solidFill>
+              <a:schemeClr val="tx1"/>
+            </a:solidFill>
+          </a:ln>
+          <a:effectLst/>
+        </p:spPr>
+        <p:style>
+          <a:lnRef idx="2">
+            <a:schemeClr val="accent1"/>
+          </a:lnRef>
+          <a:fillRef idx="0">
+            <a:schemeClr val="accent1"/>
+          </a:fillRef>
+          <a:effectRef idx="1">
+            <a:schemeClr val="accent1"/>
+          </a:effectRef>
+          <a:fontRef idx="minor">
+            <a:schemeClr val="tx1"/>
+          </a:fontRef>
+        </p:style>
+      </p:cxnSp>
+      <p:cxnSp>
+        <p:nvCxnSpPr>
+          <p:cNvPr id="24" name="Straight Connector 23"/>
+          <p:cNvCxnSpPr/>
+          <p:nvPr/>
+        </p:nvCxnSpPr>
+        <p:spPr>
+          <a:xfrm>
+            <a:off x="6200366" y="1283532"/>
+            <a:ext cx="0" cy="3222475"/>
+          </a:xfrm>
+          <a:prstGeom prst="line">
+            <a:avLst/>
+          </a:prstGeom>
+          <a:ln>
+            <a:solidFill>
+              <a:schemeClr val="tx1"/>
+            </a:solidFill>
+          </a:ln>
+          <a:effectLst/>
+        </p:spPr>
+        <p:style>
+          <a:lnRef idx="2">
+            <a:schemeClr val="accent1"/>
+          </a:lnRef>
+          <a:fillRef idx="0">
+            <a:schemeClr val="accent1"/>
+          </a:fillRef>
+          <a:effectRef idx="1">
+            <a:schemeClr val="accent1"/>
+          </a:effectRef>
+          <a:fontRef idx="minor">
+            <a:schemeClr val="tx1"/>
+          </a:fontRef>
+        </p:style>
+      </p:cxnSp>
+      <p:cxnSp>
+        <p:nvCxnSpPr>
+          <p:cNvPr id="25" name="Straight Connector 24"/>
+          <p:cNvCxnSpPr/>
+          <p:nvPr/>
+        </p:nvCxnSpPr>
+        <p:spPr>
+          <a:xfrm>
+            <a:off x="6416664" y="1283532"/>
+            <a:ext cx="0" cy="3222475"/>
+          </a:xfrm>
+          <a:prstGeom prst="line">
+            <a:avLst/>
+          </a:prstGeom>
+          <a:ln>
+            <a:solidFill>
+              <a:schemeClr val="tx1"/>
+            </a:solidFill>
+          </a:ln>
+          <a:effectLst/>
+        </p:spPr>
+        <p:style>
+          <a:lnRef idx="2">
+            <a:schemeClr val="accent1"/>
+          </a:lnRef>
+          <a:fillRef idx="0">
+            <a:schemeClr val="accent1"/>
+          </a:fillRef>
+          <a:effectRef idx="1">
+            <a:schemeClr val="accent1"/>
+          </a:effectRef>
+          <a:fontRef idx="minor">
+            <a:schemeClr val="tx1"/>
+          </a:fontRef>
+        </p:style>
+      </p:cxnSp>
+      <p:cxnSp>
+        <p:nvCxnSpPr>
+          <p:cNvPr id="26" name="Straight Connector 25"/>
+          <p:cNvCxnSpPr/>
+          <p:nvPr/>
+        </p:nvCxnSpPr>
+        <p:spPr>
+          <a:xfrm>
+            <a:off x="6473474" y="1283532"/>
+            <a:ext cx="0" cy="3222475"/>
+          </a:xfrm>
+          <a:prstGeom prst="line">
+            <a:avLst/>
+          </a:prstGeom>
+          <a:ln>
+            <a:solidFill>
+              <a:schemeClr val="tx1"/>
+            </a:solidFill>
+          </a:ln>
+          <a:effectLst/>
+        </p:spPr>
+        <p:style>
+          <a:lnRef idx="2">
+            <a:schemeClr val="accent1"/>
+          </a:lnRef>
+          <a:fillRef idx="0">
+            <a:schemeClr val="accent1"/>
+          </a:fillRef>
+          <a:effectRef idx="1">
+            <a:schemeClr val="accent1"/>
+          </a:effectRef>
+          <a:fontRef idx="minor">
+            <a:schemeClr val="tx1"/>
+          </a:fontRef>
+        </p:style>
+      </p:cxnSp>
+      <p:cxnSp>
+        <p:nvCxnSpPr>
+          <p:cNvPr id="27" name="Straight Connector 26"/>
+          <p:cNvCxnSpPr/>
+          <p:nvPr/>
+        </p:nvCxnSpPr>
+        <p:spPr>
+          <a:xfrm>
+            <a:off x="6364231" y="1283532"/>
+            <a:ext cx="0" cy="3222475"/>
+          </a:xfrm>
+          <a:prstGeom prst="line">
+            <a:avLst/>
+          </a:prstGeom>
+          <a:ln>
+            <a:solidFill>
+              <a:schemeClr val="tx1"/>
+            </a:solidFill>
+          </a:ln>
+          <a:effectLst/>
+        </p:spPr>
+        <p:style>
+          <a:lnRef idx="2">
+            <a:schemeClr val="accent1"/>
+          </a:lnRef>
+          <a:fillRef idx="0">
+            <a:schemeClr val="accent1"/>
+          </a:fillRef>
+          <a:effectRef idx="1">
+            <a:schemeClr val="accent1"/>
+          </a:effectRef>
+          <a:fontRef idx="minor">
+            <a:schemeClr val="tx1"/>
+          </a:fontRef>
+        </p:style>
+      </p:cxnSp>
+      <p:cxnSp>
+        <p:nvCxnSpPr>
+          <p:cNvPr id="28" name="Straight Connector 27"/>
+          <p:cNvCxnSpPr/>
+          <p:nvPr/>
+        </p:nvCxnSpPr>
+        <p:spPr>
+          <a:xfrm>
+            <a:off x="6580529" y="1283532"/>
+            <a:ext cx="0" cy="3222475"/>
+          </a:xfrm>
+          <a:prstGeom prst="line">
+            <a:avLst/>
+          </a:prstGeom>
+          <a:ln>
+            <a:solidFill>
+              <a:schemeClr val="tx1"/>
+            </a:solidFill>
+          </a:ln>
+          <a:effectLst/>
+        </p:spPr>
+        <p:style>
+          <a:lnRef idx="2">
+            <a:schemeClr val="accent1"/>
+          </a:lnRef>
+          <a:fillRef idx="0">
+            <a:schemeClr val="accent1"/>
+          </a:fillRef>
+          <a:effectRef idx="1">
+            <a:schemeClr val="accent1"/>
+          </a:effectRef>
+          <a:fontRef idx="minor">
+            <a:schemeClr val="tx1"/>
+          </a:fontRef>
+        </p:style>
+      </p:cxnSp>
+      <p:cxnSp>
+        <p:nvCxnSpPr>
+          <p:cNvPr id="29" name="Straight Connector 28"/>
+          <p:cNvCxnSpPr/>
+          <p:nvPr/>
+        </p:nvCxnSpPr>
+        <p:spPr>
+          <a:xfrm>
+            <a:off x="6637339" y="1283532"/>
+            <a:ext cx="0" cy="3222475"/>
+          </a:xfrm>
+          <a:prstGeom prst="line">
+            <a:avLst/>
+          </a:prstGeom>
+          <a:ln>
+            <a:solidFill>
+              <a:schemeClr val="tx1"/>
+            </a:solidFill>
+          </a:ln>
+          <a:effectLst/>
+        </p:spPr>
+        <p:style>
+          <a:lnRef idx="2">
+            <a:schemeClr val="accent1"/>
+          </a:lnRef>
+          <a:fillRef idx="0">
+            <a:schemeClr val="accent1"/>
+          </a:fillRef>
+          <a:effectRef idx="1">
+            <a:schemeClr val="accent1"/>
+          </a:effectRef>
+          <a:fontRef idx="minor">
+            <a:schemeClr val="tx1"/>
+          </a:fontRef>
+        </p:style>
+      </p:cxnSp>
+      <p:cxnSp>
+        <p:nvCxnSpPr>
+          <p:cNvPr id="30" name="Straight Connector 29"/>
+          <p:cNvCxnSpPr/>
+          <p:nvPr/>
+        </p:nvCxnSpPr>
+        <p:spPr>
+          <a:xfrm>
+            <a:off x="6528096" y="1283532"/>
+            <a:ext cx="0" cy="3222475"/>
+          </a:xfrm>
+          <a:prstGeom prst="line">
+            <a:avLst/>
+          </a:prstGeom>
+          <a:ln>
+            <a:solidFill>
+              <a:schemeClr val="tx1"/>
+            </a:solidFill>
+          </a:ln>
+          <a:effectLst/>
+        </p:spPr>
+        <p:style>
+          <a:lnRef idx="2">
+            <a:schemeClr val="accent1"/>
+          </a:lnRef>
+          <a:fillRef idx="0">
+            <a:schemeClr val="accent1"/>
+          </a:fillRef>
+          <a:effectRef idx="1">
+            <a:schemeClr val="accent1"/>
+          </a:effectRef>
+          <a:fontRef idx="minor">
+            <a:schemeClr val="tx1"/>
+          </a:fontRef>
+        </p:style>
+      </p:cxnSp>
+      <p:cxnSp>
+        <p:nvCxnSpPr>
+          <p:cNvPr id="31" name="Straight Connector 30"/>
+          <p:cNvCxnSpPr/>
+          <p:nvPr/>
+        </p:nvCxnSpPr>
+        <p:spPr>
+          <a:xfrm>
+            <a:off x="5267420" y="1283532"/>
+            <a:ext cx="0" cy="3222475"/>
+          </a:xfrm>
+          <a:prstGeom prst="line">
+            <a:avLst/>
+          </a:prstGeom>
+          <a:ln>
+            <a:solidFill>
+              <a:schemeClr val="tx1"/>
+            </a:solidFill>
+          </a:ln>
+          <a:effectLst/>
+        </p:spPr>
+        <p:style>
+          <a:lnRef idx="2">
+            <a:schemeClr val="accent1"/>
+          </a:lnRef>
+          <a:fillRef idx="0">
+            <a:schemeClr val="accent1"/>
+          </a:fillRef>
+          <a:effectRef idx="1">
+            <a:schemeClr val="accent1"/>
+          </a:effectRef>
+          <a:fontRef idx="minor">
+            <a:schemeClr val="tx1"/>
+          </a:fontRef>
+        </p:style>
+      </p:cxnSp>
+      <p:cxnSp>
+        <p:nvCxnSpPr>
+          <p:cNvPr id="32" name="Straight Connector 31"/>
+          <p:cNvCxnSpPr/>
+          <p:nvPr/>
+        </p:nvCxnSpPr>
+        <p:spPr>
+          <a:xfrm>
+            <a:off x="5324230" y="1283532"/>
+            <a:ext cx="0" cy="3222475"/>
+          </a:xfrm>
+          <a:prstGeom prst="line">
+            <a:avLst/>
+          </a:prstGeom>
+          <a:ln>
+            <a:solidFill>
+              <a:schemeClr val="tx1"/>
+            </a:solidFill>
+          </a:ln>
+          <a:effectLst/>
+        </p:spPr>
+        <p:style>
+          <a:lnRef idx="2">
+            <a:schemeClr val="accent1"/>
+          </a:lnRef>
+          <a:fillRef idx="0">
+            <a:schemeClr val="accent1"/>
+          </a:fillRef>
+          <a:effectRef idx="1">
+            <a:schemeClr val="accent1"/>
+          </a:effectRef>
+          <a:fontRef idx="minor">
+            <a:schemeClr val="tx1"/>
+          </a:fontRef>
+        </p:style>
+      </p:cxnSp>
+      <p:cxnSp>
+        <p:nvCxnSpPr>
+          <p:cNvPr id="33" name="Straight Connector 32"/>
+          <p:cNvCxnSpPr/>
+          <p:nvPr/>
+        </p:nvCxnSpPr>
+        <p:spPr>
+          <a:xfrm>
+            <a:off x="5214987" y="1283532"/>
+            <a:ext cx="0" cy="3222475"/>
+          </a:xfrm>
+          <a:prstGeom prst="line">
+            <a:avLst/>
+          </a:prstGeom>
+          <a:ln>
+            <a:solidFill>
+              <a:schemeClr val="tx1"/>
+            </a:solidFill>
+          </a:ln>
+          <a:effectLst/>
+        </p:spPr>
+        <p:style>
+          <a:lnRef idx="2">
+            <a:schemeClr val="accent1"/>
+          </a:lnRef>
+          <a:fillRef idx="0">
+            <a:schemeClr val="accent1"/>
+          </a:fillRef>
+          <a:effectRef idx="1">
+            <a:schemeClr val="accent1"/>
+          </a:effectRef>
+          <a:fontRef idx="minor">
+            <a:schemeClr val="tx1"/>
+          </a:fontRef>
+        </p:style>
+      </p:cxnSp>
+      <p:cxnSp>
+        <p:nvCxnSpPr>
+          <p:cNvPr id="34" name="Straight Connector 33"/>
+          <p:cNvCxnSpPr/>
+          <p:nvPr/>
+        </p:nvCxnSpPr>
+        <p:spPr>
+          <a:xfrm>
+            <a:off x="5431285" y="1283532"/>
+            <a:ext cx="0" cy="3222475"/>
+          </a:xfrm>
+          <a:prstGeom prst="line">
+            <a:avLst/>
+          </a:prstGeom>
+          <a:ln>
+            <a:solidFill>
+              <a:schemeClr val="tx1"/>
+            </a:solidFill>
+          </a:ln>
+          <a:effectLst/>
+        </p:spPr>
+        <p:style>
+          <a:lnRef idx="2">
+            <a:schemeClr val="accent1"/>
+          </a:lnRef>
+          <a:fillRef idx="0">
+            <a:schemeClr val="accent1"/>
+          </a:fillRef>
+          <a:effectRef idx="1">
+            <a:schemeClr val="accent1"/>
+          </a:effectRef>
+          <a:fontRef idx="minor">
+            <a:schemeClr val="tx1"/>
+          </a:fontRef>
+        </p:style>
+      </p:cxnSp>
+      <p:cxnSp>
+        <p:nvCxnSpPr>
+          <p:cNvPr id="35" name="Straight Connector 34"/>
+          <p:cNvCxnSpPr/>
+          <p:nvPr/>
+        </p:nvCxnSpPr>
+        <p:spPr>
+          <a:xfrm>
+            <a:off x="5488095" y="1283532"/>
+            <a:ext cx="0" cy="3222475"/>
+          </a:xfrm>
+          <a:prstGeom prst="line">
+            <a:avLst/>
+          </a:prstGeom>
+          <a:ln>
+            <a:solidFill>
+              <a:schemeClr val="tx1"/>
+            </a:solidFill>
+          </a:ln>
+          <a:effectLst/>
+        </p:spPr>
+        <p:style>
+          <a:lnRef idx="2">
+            <a:schemeClr val="accent1"/>
+          </a:lnRef>
+          <a:fillRef idx="0">
+            <a:schemeClr val="accent1"/>
+          </a:fillRef>
+          <a:effectRef idx="1">
+            <a:schemeClr val="accent1"/>
+          </a:effectRef>
+          <a:fontRef idx="minor">
+            <a:schemeClr val="tx1"/>
+          </a:fontRef>
+        </p:style>
+      </p:cxnSp>
+      <p:cxnSp>
+        <p:nvCxnSpPr>
+          <p:cNvPr id="36" name="Straight Connector 35"/>
+          <p:cNvCxnSpPr/>
+          <p:nvPr/>
+        </p:nvCxnSpPr>
+        <p:spPr>
+          <a:xfrm>
+            <a:off x="5378852" y="1283532"/>
+            <a:ext cx="0" cy="3222475"/>
+          </a:xfrm>
+          <a:prstGeom prst="line">
+            <a:avLst/>
+          </a:prstGeom>
+          <a:ln>
+            <a:solidFill>
+              <a:schemeClr val="tx1"/>
+            </a:solidFill>
+          </a:ln>
+          <a:effectLst/>
+        </p:spPr>
+        <p:style>
+          <a:lnRef idx="2">
+            <a:schemeClr val="accent1"/>
+          </a:lnRef>
+          <a:fillRef idx="0">
+            <a:schemeClr val="accent1"/>
+          </a:fillRef>
+          <a:effectRef idx="1">
+            <a:schemeClr val="accent1"/>
+          </a:effectRef>
+          <a:fontRef idx="minor">
+            <a:schemeClr val="tx1"/>
+          </a:fontRef>
+        </p:style>
+      </p:cxnSp>
+      <p:cxnSp>
+        <p:nvCxnSpPr>
+          <p:cNvPr id="37" name="Straight Connector 36"/>
+          <p:cNvCxnSpPr/>
+          <p:nvPr/>
+        </p:nvCxnSpPr>
+        <p:spPr>
+          <a:xfrm>
+            <a:off x="5595150" y="1283532"/>
+            <a:ext cx="0" cy="3222475"/>
+          </a:xfrm>
+          <a:prstGeom prst="line">
+            <a:avLst/>
+          </a:prstGeom>
+          <a:ln>
+            <a:solidFill>
+              <a:schemeClr val="tx1"/>
+            </a:solidFill>
+          </a:ln>
+          <a:effectLst/>
+        </p:spPr>
+        <p:style>
+          <a:lnRef idx="2">
+            <a:schemeClr val="accent1"/>
+          </a:lnRef>
+          <a:fillRef idx="0">
+            <a:schemeClr val="accent1"/>
+          </a:fillRef>
+          <a:effectRef idx="1">
+            <a:schemeClr val="accent1"/>
+          </a:effectRef>
+          <a:fontRef idx="minor">
+            <a:schemeClr val="tx1"/>
+          </a:fontRef>
+        </p:style>
+      </p:cxnSp>
+      <p:cxnSp>
+        <p:nvCxnSpPr>
+          <p:cNvPr id="38" name="Straight Connector 37"/>
+          <p:cNvCxnSpPr/>
+          <p:nvPr/>
+        </p:nvCxnSpPr>
+        <p:spPr>
+          <a:xfrm>
+            <a:off x="5651960" y="1283532"/>
+            <a:ext cx="0" cy="3222475"/>
+          </a:xfrm>
+          <a:prstGeom prst="line">
+            <a:avLst/>
+          </a:prstGeom>
+          <a:ln>
+            <a:solidFill>
+              <a:schemeClr val="tx1"/>
+            </a:solidFill>
+          </a:ln>
+          <a:effectLst/>
+        </p:spPr>
+        <p:style>
+          <a:lnRef idx="2">
+            <a:schemeClr val="accent1"/>
+          </a:lnRef>
+          <a:fillRef idx="0">
+            <a:schemeClr val="accent1"/>
+          </a:fillRef>
+          <a:effectRef idx="1">
+            <a:schemeClr val="accent1"/>
+          </a:effectRef>
+          <a:fontRef idx="minor">
+            <a:schemeClr val="tx1"/>
+          </a:fontRef>
+        </p:style>
+      </p:cxnSp>
+      <p:cxnSp>
+        <p:nvCxnSpPr>
+          <p:cNvPr id="39" name="Straight Connector 38"/>
+          <p:cNvCxnSpPr/>
+          <p:nvPr/>
+        </p:nvCxnSpPr>
+        <p:spPr>
+          <a:xfrm>
+            <a:off x="5542717" y="1283532"/>
+            <a:ext cx="0" cy="3222475"/>
+          </a:xfrm>
+          <a:prstGeom prst="line">
+            <a:avLst/>
+          </a:prstGeom>
+          <a:ln>
+            <a:solidFill>
+              <a:schemeClr val="tx1"/>
+            </a:solidFill>
+          </a:ln>
+          <a:effectLst/>
+        </p:spPr>
+        <p:style>
+          <a:lnRef idx="2">
+            <a:schemeClr val="accent1"/>
+          </a:lnRef>
+          <a:fillRef idx="0">
+            <a:schemeClr val="accent1"/>
+          </a:fillRef>
+          <a:effectRef idx="1">
+            <a:schemeClr val="accent1"/>
+          </a:effectRef>
+          <a:fontRef idx="minor">
+            <a:schemeClr val="tx1"/>
+          </a:fontRef>
+        </p:style>
+      </p:cxnSp>
+      <p:cxnSp>
+        <p:nvCxnSpPr>
+          <p:cNvPr id="40" name="Straight Connector 39"/>
+          <p:cNvCxnSpPr/>
+          <p:nvPr/>
+        </p:nvCxnSpPr>
+        <p:spPr>
+          <a:xfrm>
+            <a:off x="6746556" y="1283532"/>
+            <a:ext cx="0" cy="3222475"/>
+          </a:xfrm>
+          <a:prstGeom prst="line">
+            <a:avLst/>
+          </a:prstGeom>
+          <a:ln>
+            <a:solidFill>
+              <a:schemeClr val="tx1"/>
+            </a:solidFill>
+          </a:ln>
+          <a:effectLst/>
+        </p:spPr>
+        <p:style>
+          <a:lnRef idx="2">
+            <a:schemeClr val="accent1"/>
+          </a:lnRef>
+          <a:fillRef idx="0">
+            <a:schemeClr val="accent1"/>
+          </a:fillRef>
+          <a:effectRef idx="1">
+            <a:schemeClr val="accent1"/>
+          </a:effectRef>
+          <a:fontRef idx="minor">
+            <a:schemeClr val="tx1"/>
+          </a:fontRef>
+        </p:style>
+      </p:cxnSp>
+      <p:cxnSp>
+        <p:nvCxnSpPr>
+          <p:cNvPr id="41" name="Straight Connector 40"/>
+          <p:cNvCxnSpPr/>
+          <p:nvPr/>
+        </p:nvCxnSpPr>
+        <p:spPr>
+          <a:xfrm>
+            <a:off x="6803366" y="1283532"/>
+            <a:ext cx="0" cy="3222475"/>
+          </a:xfrm>
+          <a:prstGeom prst="line">
+            <a:avLst/>
+          </a:prstGeom>
+          <a:ln>
+            <a:solidFill>
+              <a:schemeClr val="tx1"/>
+            </a:solidFill>
+          </a:ln>
+          <a:effectLst/>
+        </p:spPr>
+        <p:style>
+          <a:lnRef idx="2">
+            <a:schemeClr val="accent1"/>
+          </a:lnRef>
+          <a:fillRef idx="0">
+            <a:schemeClr val="accent1"/>
+          </a:fillRef>
+          <a:effectRef idx="1">
+            <a:schemeClr val="accent1"/>
+          </a:effectRef>
+          <a:fontRef idx="minor">
+            <a:schemeClr val="tx1"/>
+          </a:fontRef>
+        </p:style>
+      </p:cxnSp>
+      <p:cxnSp>
+        <p:nvCxnSpPr>
+          <p:cNvPr id="42" name="Straight Connector 41"/>
+          <p:cNvCxnSpPr/>
+          <p:nvPr/>
+        </p:nvCxnSpPr>
+        <p:spPr>
+          <a:xfrm>
+            <a:off x="6694123" y="1283532"/>
+            <a:ext cx="0" cy="3222475"/>
+          </a:xfrm>
+          <a:prstGeom prst="line">
+            <a:avLst/>
+          </a:prstGeom>
+          <a:ln>
+            <a:solidFill>
+              <a:schemeClr val="tx1"/>
+            </a:solidFill>
+          </a:ln>
+          <a:effectLst/>
+        </p:spPr>
+        <p:style>
+          <a:lnRef idx="2">
+            <a:schemeClr val="accent1"/>
+          </a:lnRef>
+          <a:fillRef idx="0">
+            <a:schemeClr val="accent1"/>
+          </a:fillRef>
+          <a:effectRef idx="1">
+            <a:schemeClr val="accent1"/>
+          </a:effectRef>
+          <a:fontRef idx="minor">
+            <a:schemeClr val="tx1"/>
+          </a:fontRef>
+        </p:style>
+      </p:cxnSp>
+      <p:cxnSp>
+        <p:nvCxnSpPr>
+          <p:cNvPr id="43" name="Straight Connector 42"/>
+          <p:cNvCxnSpPr/>
+          <p:nvPr/>
+        </p:nvCxnSpPr>
+        <p:spPr>
+          <a:xfrm>
+            <a:off x="6910421" y="1283532"/>
+            <a:ext cx="0" cy="3222475"/>
+          </a:xfrm>
+          <a:prstGeom prst="line">
+            <a:avLst/>
+          </a:prstGeom>
+          <a:ln>
+            <a:solidFill>
+              <a:schemeClr val="tx1"/>
+            </a:solidFill>
+          </a:ln>
+          <a:effectLst/>
+        </p:spPr>
+        <p:style>
+          <a:lnRef idx="2">
+            <a:schemeClr val="accent1"/>
+          </a:lnRef>
+          <a:fillRef idx="0">
+            <a:schemeClr val="accent1"/>
+          </a:fillRef>
+          <a:effectRef idx="1">
+            <a:schemeClr val="accent1"/>
+          </a:effectRef>
+          <a:fontRef idx="minor">
+            <a:schemeClr val="tx1"/>
+          </a:fontRef>
+        </p:style>
+      </p:cxnSp>
+      <p:cxnSp>
+        <p:nvCxnSpPr>
+          <p:cNvPr id="44" name="Straight Connector 43"/>
+          <p:cNvCxnSpPr/>
+          <p:nvPr/>
+        </p:nvCxnSpPr>
+        <p:spPr>
+          <a:xfrm>
+            <a:off x="6967231" y="1283532"/>
+            <a:ext cx="0" cy="3222475"/>
+          </a:xfrm>
+          <a:prstGeom prst="line">
+            <a:avLst/>
+          </a:prstGeom>
+          <a:ln>
+            <a:solidFill>
+              <a:schemeClr val="tx1"/>
+            </a:solidFill>
+          </a:ln>
+          <a:effectLst/>
+        </p:spPr>
+        <p:style>
+          <a:lnRef idx="2">
+            <a:schemeClr val="accent1"/>
+          </a:lnRef>
+          <a:fillRef idx="0">
+            <a:schemeClr val="accent1"/>
+          </a:fillRef>
+          <a:effectRef idx="1">
+            <a:schemeClr val="accent1"/>
+          </a:effectRef>
+          <a:fontRef idx="minor">
+            <a:schemeClr val="tx1"/>
+          </a:fontRef>
+        </p:style>
+      </p:cxnSp>
+      <p:cxnSp>
+        <p:nvCxnSpPr>
+          <p:cNvPr id="45" name="Straight Connector 44"/>
+          <p:cNvCxnSpPr/>
+          <p:nvPr/>
+        </p:nvCxnSpPr>
+        <p:spPr>
+          <a:xfrm>
+            <a:off x="6857988" y="1283532"/>
+            <a:ext cx="0" cy="3222475"/>
+          </a:xfrm>
+          <a:prstGeom prst="line">
+            <a:avLst/>
+          </a:prstGeom>
+          <a:ln>
+            <a:solidFill>
+              <a:schemeClr val="tx1"/>
+            </a:solidFill>
+          </a:ln>
+          <a:effectLst/>
+        </p:spPr>
+        <p:style>
+          <a:lnRef idx="2">
+            <a:schemeClr val="accent1"/>
+          </a:lnRef>
+          <a:fillRef idx="0">
+            <a:schemeClr val="accent1"/>
+          </a:fillRef>
+          <a:effectRef idx="1">
+            <a:schemeClr val="accent1"/>
+          </a:effectRef>
+          <a:fontRef idx="minor">
+            <a:schemeClr val="tx1"/>
+          </a:fontRef>
+        </p:style>
+      </p:cxnSp>
+      <p:cxnSp>
+        <p:nvCxnSpPr>
+          <p:cNvPr id="48" name="Straight Connector 47"/>
+          <p:cNvCxnSpPr/>
+          <p:nvPr/>
+        </p:nvCxnSpPr>
+        <p:spPr>
+          <a:xfrm>
+            <a:off x="7021853" y="1283532"/>
+            <a:ext cx="0" cy="3222475"/>
+          </a:xfrm>
+          <a:prstGeom prst="line">
+            <a:avLst/>
+          </a:prstGeom>
+          <a:ln>
+            <a:solidFill>
+              <a:schemeClr val="tx1"/>
+            </a:solidFill>
+          </a:ln>
+          <a:effectLst/>
+        </p:spPr>
+        <p:style>
+          <a:lnRef idx="2">
+            <a:schemeClr val="accent1"/>
+          </a:lnRef>
+          <a:fillRef idx="0">
+            <a:schemeClr val="accent1"/>
+          </a:fillRef>
+          <a:effectRef idx="1">
+            <a:schemeClr val="accent1"/>
+          </a:effectRef>
+          <a:fontRef idx="minor">
+            <a:schemeClr val="tx1"/>
+          </a:fontRef>
+        </p:style>
+      </p:cxnSp>
+      <p:sp>
+        <p:nvSpPr>
+          <p:cNvPr id="49" name="Content Placeholder 2"/>
+          <p:cNvSpPr>
+            <a:spLocks noGrp="1"/>
+          </p:cNvSpPr>
+          <p:nvPr>
+            <p:ph idx="1"/>
+          </p:nvPr>
+        </p:nvSpPr>
+        <p:spPr>
+          <a:xfrm>
+            <a:off x="2880478" y="1703329"/>
+            <a:ext cx="2274054" cy="1635360"/>
+          </a:xfrm>
+        </p:spPr>
+        <p:txBody>
+          <a:bodyPr>
+            <a:normAutofit/>
+          </a:bodyPr>
+          <a:lstStyle/>
+          <a:p>
+            <a:r>
+              <a:rPr lang="en-US" dirty="0" smtClean="0"/>
+              <a:t>Line-scan </a:t>
+            </a:r>
+          </a:p>
+          <a:p>
+            <a:pPr marL="114300" indent="0">
+              <a:buNone/>
+            </a:pPr>
+            <a:r>
+              <a:rPr lang="en-US" dirty="0" smtClean="0"/>
+              <a:t>    (3 lines)</a:t>
+            </a:r>
+            <a:r>
+              <a:rPr lang="en-US" dirty="0"/>
+              <a:t>	</a:t>
+            </a:r>
+            <a:endParaRPr lang="en-US" dirty="0" smtClean="0"/>
+          </a:p>
+          <a:p>
+            <a:r>
+              <a:rPr lang="en-US" dirty="0" smtClean="0"/>
+              <a:t>Box-scan </a:t>
+            </a:r>
+          </a:p>
+          <a:p>
+            <a:pPr marL="114300" indent="0">
+              <a:buNone/>
+            </a:pPr>
+            <a:r>
+              <a:rPr lang="en-US" dirty="0" smtClean="0"/>
+              <a:t>    (every line)</a:t>
+            </a:r>
+            <a:endParaRPr lang="en-US" dirty="0" smtClean="0"/>
+          </a:p>
+        </p:txBody>
+      </p:sp>
+      <p:pic>
+        <p:nvPicPr>
+          <p:cNvPr id="50" name="Picture 49" descr="3.M+FMCAK3.M+FMCAK_002.eps"/>
+          <p:cNvPicPr>
+            <a:picLocks noChangeAspect="1"/>
+          </p:cNvPicPr>
+          <p:nvPr/>
+        </p:nvPicPr>
+        <p:blipFill rotWithShape="1">
+          <a:blip r:embed="rId3">
+            <a:extLst>
+              <a:ext uri="{28A0092B-C50C-407E-A947-70E740481C1C}">
+                <a14:useLocalDpi xmlns:a14="http://schemas.microsoft.com/office/drawing/2010/main" val="0"/>
+              </a:ext>
+            </a:extLst>
+          </a:blip>
+          <a:srcRect l="3607" t="8274" r="65754" b="51903"/>
+          <a:stretch/>
+        </p:blipFill>
+        <p:spPr>
+          <a:xfrm rot="5400000">
+            <a:off x="5299708" y="3705878"/>
+            <a:ext cx="2101254" cy="4096620"/>
+          </a:xfrm>
+          <a:prstGeom prst="rect">
+            <a:avLst/>
+          </a:prstGeom>
+        </p:spPr>
+      </p:pic>
+      <p:pic>
+        <p:nvPicPr>
+          <p:cNvPr id="51" name="Picture 50" descr="3.M+FMCAK3.M+FMCAK_002.eps"/>
+          <p:cNvPicPr>
+            <a:picLocks noChangeAspect="1"/>
+          </p:cNvPicPr>
+          <p:nvPr/>
+        </p:nvPicPr>
+        <p:blipFill rotWithShape="1">
+          <a:blip r:embed="rId3">
+            <a:extLst>
+              <a:ext uri="{28A0092B-C50C-407E-A947-70E740481C1C}">
+                <a14:useLocalDpi xmlns:a14="http://schemas.microsoft.com/office/drawing/2010/main" val="0"/>
+              </a:ext>
+            </a:extLst>
+          </a:blip>
+          <a:srcRect l="34246" t="8275" r="35242" b="51372"/>
+          <a:stretch/>
+        </p:blipFill>
+        <p:spPr>
+          <a:xfrm rot="5400000">
+            <a:off x="1180123" y="3706959"/>
+            <a:ext cx="2092561" cy="4151242"/>
+          </a:xfrm>
+          <a:prstGeom prst="rect">
+            <a:avLst/>
+          </a:prstGeom>
+        </p:spPr>
+      </p:pic>
+      <p:sp>
+        <p:nvSpPr>
+          <p:cNvPr id="54" name="Freeform 53"/>
+          <p:cNvSpPr/>
+          <p:nvPr/>
+        </p:nvSpPr>
+        <p:spPr>
+          <a:xfrm>
+            <a:off x="7309556" y="1524001"/>
+            <a:ext cx="463771" cy="2706480"/>
+          </a:xfrm>
+          <a:custGeom>
+            <a:avLst/>
+            <a:gdLst>
+              <a:gd name="connsiteX0" fmla="*/ 42333 w 463771"/>
+              <a:gd name="connsiteY0" fmla="*/ 0 h 2836333"/>
+              <a:gd name="connsiteX1" fmla="*/ 112888 w 463771"/>
+              <a:gd name="connsiteY1" fmla="*/ 14111 h 2836333"/>
+              <a:gd name="connsiteX2" fmla="*/ 225777 w 463771"/>
+              <a:gd name="connsiteY2" fmla="*/ 70556 h 2836333"/>
+              <a:gd name="connsiteX3" fmla="*/ 409222 w 463771"/>
+              <a:gd name="connsiteY3" fmla="*/ 84667 h 2836333"/>
+              <a:gd name="connsiteX4" fmla="*/ 437444 w 463771"/>
+              <a:gd name="connsiteY4" fmla="*/ 183444 h 2836333"/>
+              <a:gd name="connsiteX5" fmla="*/ 352777 w 463771"/>
+              <a:gd name="connsiteY5" fmla="*/ 211667 h 2836333"/>
+              <a:gd name="connsiteX6" fmla="*/ 211666 w 463771"/>
+              <a:gd name="connsiteY6" fmla="*/ 324556 h 2836333"/>
+              <a:gd name="connsiteX7" fmla="*/ 183444 w 463771"/>
+              <a:gd name="connsiteY7" fmla="*/ 366889 h 2836333"/>
+              <a:gd name="connsiteX8" fmla="*/ 169333 w 463771"/>
+              <a:gd name="connsiteY8" fmla="*/ 409222 h 2836333"/>
+              <a:gd name="connsiteX9" fmla="*/ 127000 w 463771"/>
+              <a:gd name="connsiteY9" fmla="*/ 423333 h 2836333"/>
+              <a:gd name="connsiteX10" fmla="*/ 84666 w 463771"/>
+              <a:gd name="connsiteY10" fmla="*/ 550333 h 2836333"/>
+              <a:gd name="connsiteX11" fmla="*/ 70555 w 463771"/>
+              <a:gd name="connsiteY11" fmla="*/ 592667 h 2836333"/>
+              <a:gd name="connsiteX12" fmla="*/ 84666 w 463771"/>
+              <a:gd name="connsiteY12" fmla="*/ 1058333 h 2836333"/>
+              <a:gd name="connsiteX13" fmla="*/ 112888 w 463771"/>
+              <a:gd name="connsiteY13" fmla="*/ 1100667 h 2836333"/>
+              <a:gd name="connsiteX14" fmla="*/ 127000 w 463771"/>
+              <a:gd name="connsiteY14" fmla="*/ 1143000 h 2836333"/>
+              <a:gd name="connsiteX15" fmla="*/ 98777 w 463771"/>
+              <a:gd name="connsiteY15" fmla="*/ 1255889 h 2836333"/>
+              <a:gd name="connsiteX16" fmla="*/ 70555 w 463771"/>
+              <a:gd name="connsiteY16" fmla="*/ 1298222 h 2836333"/>
+              <a:gd name="connsiteX17" fmla="*/ 42333 w 463771"/>
+              <a:gd name="connsiteY17" fmla="*/ 1425222 h 2836333"/>
+              <a:gd name="connsiteX18" fmla="*/ 14111 w 463771"/>
+              <a:gd name="connsiteY18" fmla="*/ 1538111 h 2836333"/>
+              <a:gd name="connsiteX19" fmla="*/ 28222 w 463771"/>
+              <a:gd name="connsiteY19" fmla="*/ 1975556 h 2836333"/>
+              <a:gd name="connsiteX20" fmla="*/ 56444 w 463771"/>
+              <a:gd name="connsiteY20" fmla="*/ 2046111 h 2836333"/>
+              <a:gd name="connsiteX21" fmla="*/ 70555 w 463771"/>
+              <a:gd name="connsiteY21" fmla="*/ 2102556 h 2836333"/>
+              <a:gd name="connsiteX22" fmla="*/ 98777 w 463771"/>
+              <a:gd name="connsiteY22" fmla="*/ 2187222 h 2836333"/>
+              <a:gd name="connsiteX23" fmla="*/ 112888 w 463771"/>
+              <a:gd name="connsiteY23" fmla="*/ 2257778 h 2836333"/>
+              <a:gd name="connsiteX24" fmla="*/ 127000 w 463771"/>
+              <a:gd name="connsiteY24" fmla="*/ 2356556 h 2836333"/>
+              <a:gd name="connsiteX25" fmla="*/ 197555 w 463771"/>
+              <a:gd name="connsiteY25" fmla="*/ 2441222 h 2836333"/>
+              <a:gd name="connsiteX26" fmla="*/ 239888 w 463771"/>
+              <a:gd name="connsiteY26" fmla="*/ 2455333 h 2836333"/>
+              <a:gd name="connsiteX27" fmla="*/ 268111 w 463771"/>
+              <a:gd name="connsiteY27" fmla="*/ 2483556 h 2836333"/>
+              <a:gd name="connsiteX28" fmla="*/ 352777 w 463771"/>
+              <a:gd name="connsiteY28" fmla="*/ 2511778 h 2836333"/>
+              <a:gd name="connsiteX29" fmla="*/ 381000 w 463771"/>
+              <a:gd name="connsiteY29" fmla="*/ 2540000 h 2836333"/>
+              <a:gd name="connsiteX30" fmla="*/ 395111 w 463771"/>
+              <a:gd name="connsiteY30" fmla="*/ 2681111 h 2836333"/>
+              <a:gd name="connsiteX31" fmla="*/ 352777 w 463771"/>
+              <a:gd name="connsiteY31" fmla="*/ 2709333 h 2836333"/>
+              <a:gd name="connsiteX32" fmla="*/ 268111 w 463771"/>
+              <a:gd name="connsiteY32" fmla="*/ 2737556 h 2836333"/>
+              <a:gd name="connsiteX33" fmla="*/ 183444 w 463771"/>
+              <a:gd name="connsiteY33" fmla="*/ 2765778 h 2836333"/>
+              <a:gd name="connsiteX34" fmla="*/ 98777 w 463771"/>
+              <a:gd name="connsiteY34" fmla="*/ 2794000 h 2836333"/>
+              <a:gd name="connsiteX35" fmla="*/ 0 w 463771"/>
+              <a:gd name="connsiteY35" fmla="*/ 2836333 h 2836333"/>
+            </a:gdLst>
+            <a:ahLst/>
+            <a:cxnLst>
+              <a:cxn ang="0">
+                <a:pos x="connsiteX0" y="connsiteY0"/>
+              </a:cxn>
+              <a:cxn ang="0">
+                <a:pos x="connsiteX1" y="connsiteY1"/>
+              </a:cxn>
+              <a:cxn ang="0">
+                <a:pos x="connsiteX2" y="connsiteY2"/>
+              </a:cxn>
+              <a:cxn ang="0">
+                <a:pos x="connsiteX3" y="connsiteY3"/>
+              </a:cxn>
+              <a:cxn ang="0">
+                <a:pos x="connsiteX4" y="connsiteY4"/>
+              </a:cxn>
+              <a:cxn ang="0">
+                <a:pos x="connsiteX5" y="connsiteY5"/>
+              </a:cxn>
+              <a:cxn ang="0">
+                <a:pos x="connsiteX6" y="connsiteY6"/>
+              </a:cxn>
+              <a:cxn ang="0">
+                <a:pos x="connsiteX7" y="connsiteY7"/>
+              </a:cxn>
+              <a:cxn ang="0">
+                <a:pos x="connsiteX8" y="connsiteY8"/>
+              </a:cxn>
+              <a:cxn ang="0">
+                <a:pos x="connsiteX9" y="connsiteY9"/>
+              </a:cxn>
+              <a:cxn ang="0">
+                <a:pos x="connsiteX10" y="connsiteY10"/>
+              </a:cxn>
+              <a:cxn ang="0">
+                <a:pos x="connsiteX11" y="connsiteY11"/>
+              </a:cxn>
+              <a:cxn ang="0">
+                <a:pos x="connsiteX12" y="connsiteY12"/>
+              </a:cxn>
+              <a:cxn ang="0">
+                <a:pos x="connsiteX13" y="connsiteY13"/>
+              </a:cxn>
+              <a:cxn ang="0">
+                <a:pos x="connsiteX14" y="connsiteY14"/>
+              </a:cxn>
+              <a:cxn ang="0">
+                <a:pos x="connsiteX15" y="connsiteY15"/>
+              </a:cxn>
+              <a:cxn ang="0">
+                <a:pos x="connsiteX16" y="connsiteY16"/>
+              </a:cxn>
+              <a:cxn ang="0">
+                <a:pos x="connsiteX17" y="connsiteY17"/>
+              </a:cxn>
+              <a:cxn ang="0">
+                <a:pos x="connsiteX18" y="connsiteY18"/>
+              </a:cxn>
+              <a:cxn ang="0">
+                <a:pos x="connsiteX19" y="connsiteY19"/>
+              </a:cxn>
+              <a:cxn ang="0">
+                <a:pos x="connsiteX20" y="connsiteY20"/>
+              </a:cxn>
+              <a:cxn ang="0">
+                <a:pos x="connsiteX21" y="connsiteY21"/>
+              </a:cxn>
+              <a:cxn ang="0">
+                <a:pos x="connsiteX22" y="connsiteY22"/>
+              </a:cxn>
+              <a:cxn ang="0">
+                <a:pos x="connsiteX23" y="connsiteY23"/>
+              </a:cxn>
+              <a:cxn ang="0">
+                <a:pos x="connsiteX24" y="connsiteY24"/>
+              </a:cxn>
+              <a:cxn ang="0">
+                <a:pos x="connsiteX25" y="connsiteY25"/>
+              </a:cxn>
+              <a:cxn ang="0">
+                <a:pos x="connsiteX26" y="connsiteY26"/>
+              </a:cxn>
+              <a:cxn ang="0">
+                <a:pos x="connsiteX27" y="connsiteY27"/>
+              </a:cxn>
+              <a:cxn ang="0">
+                <a:pos x="connsiteX28" y="connsiteY28"/>
+              </a:cxn>
+              <a:cxn ang="0">
+                <a:pos x="connsiteX29" y="connsiteY29"/>
+              </a:cxn>
+              <a:cxn ang="0">
+                <a:pos x="connsiteX30" y="connsiteY30"/>
+              </a:cxn>
+              <a:cxn ang="0">
+                <a:pos x="connsiteX31" y="connsiteY31"/>
+              </a:cxn>
+              <a:cxn ang="0">
+                <a:pos x="connsiteX32" y="connsiteY32"/>
+              </a:cxn>
+              <a:cxn ang="0">
+                <a:pos x="connsiteX33" y="connsiteY33"/>
+              </a:cxn>
+              <a:cxn ang="0">
+                <a:pos x="connsiteX34" y="connsiteY34"/>
+              </a:cxn>
+              <a:cxn ang="0">
+                <a:pos x="connsiteX35" y="connsiteY35"/>
+              </a:cxn>
+            </a:cxnLst>
+            <a:rect l="l" t="t" r="r" b="b"/>
+            <a:pathLst>
+              <a:path w="463771" h="2836333">
+                <a:moveTo>
+                  <a:pt x="42333" y="0"/>
+                </a:moveTo>
+                <a:cubicBezTo>
+                  <a:pt x="65851" y="4704"/>
+                  <a:pt x="90843" y="4663"/>
+                  <a:pt x="112888" y="14111"/>
+                </a:cubicBezTo>
+                <a:cubicBezTo>
+                  <a:pt x="210462" y="55928"/>
+                  <a:pt x="20455" y="54762"/>
+                  <a:pt x="225777" y="70556"/>
+                </a:cubicBezTo>
+                <a:lnTo>
+                  <a:pt x="409222" y="84667"/>
+                </a:lnTo>
+                <a:cubicBezTo>
+                  <a:pt x="441919" y="106465"/>
+                  <a:pt x="496730" y="124158"/>
+                  <a:pt x="437444" y="183444"/>
+                </a:cubicBezTo>
+                <a:cubicBezTo>
+                  <a:pt x="416408" y="204480"/>
+                  <a:pt x="352777" y="211667"/>
+                  <a:pt x="352777" y="211667"/>
+                </a:cubicBezTo>
+                <a:cubicBezTo>
+                  <a:pt x="307487" y="241860"/>
+                  <a:pt x="243838" y="276299"/>
+                  <a:pt x="211666" y="324556"/>
+                </a:cubicBezTo>
+                <a:cubicBezTo>
+                  <a:pt x="202259" y="338667"/>
+                  <a:pt x="191028" y="351720"/>
+                  <a:pt x="183444" y="366889"/>
+                </a:cubicBezTo>
+                <a:cubicBezTo>
+                  <a:pt x="176792" y="380193"/>
+                  <a:pt x="179851" y="398704"/>
+                  <a:pt x="169333" y="409222"/>
+                </a:cubicBezTo>
+                <a:cubicBezTo>
+                  <a:pt x="158815" y="419740"/>
+                  <a:pt x="141111" y="418629"/>
+                  <a:pt x="127000" y="423333"/>
+                </a:cubicBezTo>
+                <a:lnTo>
+                  <a:pt x="84666" y="550333"/>
+                </a:lnTo>
+                <a:lnTo>
+                  <a:pt x="70555" y="592667"/>
+                </a:lnTo>
+                <a:cubicBezTo>
+                  <a:pt x="75259" y="747889"/>
+                  <a:pt x="71770" y="903576"/>
+                  <a:pt x="84666" y="1058333"/>
+                </a:cubicBezTo>
+                <a:cubicBezTo>
+                  <a:pt x="86074" y="1075234"/>
+                  <a:pt x="105303" y="1085498"/>
+                  <a:pt x="112888" y="1100667"/>
+                </a:cubicBezTo>
+                <a:cubicBezTo>
+                  <a:pt x="119540" y="1113971"/>
+                  <a:pt x="122296" y="1128889"/>
+                  <a:pt x="127000" y="1143000"/>
+                </a:cubicBezTo>
+                <a:cubicBezTo>
+                  <a:pt x="121633" y="1169833"/>
+                  <a:pt x="113240" y="1226963"/>
+                  <a:pt x="98777" y="1255889"/>
+                </a:cubicBezTo>
+                <a:cubicBezTo>
+                  <a:pt x="91193" y="1271058"/>
+                  <a:pt x="79962" y="1284111"/>
+                  <a:pt x="70555" y="1298222"/>
+                </a:cubicBezTo>
+                <a:cubicBezTo>
+                  <a:pt x="27995" y="1511023"/>
+                  <a:pt x="82189" y="1245868"/>
+                  <a:pt x="42333" y="1425222"/>
+                </a:cubicBezTo>
+                <a:cubicBezTo>
+                  <a:pt x="19629" y="1527392"/>
+                  <a:pt x="39327" y="1462464"/>
+                  <a:pt x="14111" y="1538111"/>
+                </a:cubicBezTo>
+                <a:cubicBezTo>
+                  <a:pt x="18815" y="1683926"/>
+                  <a:pt x="16107" y="1830169"/>
+                  <a:pt x="28222" y="1975556"/>
+                </a:cubicBezTo>
+                <a:cubicBezTo>
+                  <a:pt x="30326" y="2000799"/>
+                  <a:pt x="48434" y="2022081"/>
+                  <a:pt x="56444" y="2046111"/>
+                </a:cubicBezTo>
+                <a:cubicBezTo>
+                  <a:pt x="62577" y="2064510"/>
+                  <a:pt x="64982" y="2083980"/>
+                  <a:pt x="70555" y="2102556"/>
+                </a:cubicBezTo>
+                <a:cubicBezTo>
+                  <a:pt x="79103" y="2131050"/>
+                  <a:pt x="92943" y="2158051"/>
+                  <a:pt x="98777" y="2187222"/>
+                </a:cubicBezTo>
+                <a:cubicBezTo>
+                  <a:pt x="103481" y="2210741"/>
+                  <a:pt x="108945" y="2234120"/>
+                  <a:pt x="112888" y="2257778"/>
+                </a:cubicBezTo>
+                <a:cubicBezTo>
+                  <a:pt x="118356" y="2290586"/>
+                  <a:pt x="117443" y="2324698"/>
+                  <a:pt x="127000" y="2356556"/>
+                </a:cubicBezTo>
+                <a:cubicBezTo>
+                  <a:pt x="133508" y="2378248"/>
+                  <a:pt x="181806" y="2430723"/>
+                  <a:pt x="197555" y="2441222"/>
+                </a:cubicBezTo>
+                <a:cubicBezTo>
+                  <a:pt x="209931" y="2449473"/>
+                  <a:pt x="225777" y="2450629"/>
+                  <a:pt x="239888" y="2455333"/>
+                </a:cubicBezTo>
+                <a:cubicBezTo>
+                  <a:pt x="249296" y="2464741"/>
+                  <a:pt x="256211" y="2477606"/>
+                  <a:pt x="268111" y="2483556"/>
+                </a:cubicBezTo>
+                <a:cubicBezTo>
+                  <a:pt x="294719" y="2496860"/>
+                  <a:pt x="352777" y="2511778"/>
+                  <a:pt x="352777" y="2511778"/>
+                </a:cubicBezTo>
+                <a:cubicBezTo>
+                  <a:pt x="362185" y="2521185"/>
+                  <a:pt x="372689" y="2529611"/>
+                  <a:pt x="381000" y="2540000"/>
+                </a:cubicBezTo>
+                <a:cubicBezTo>
+                  <a:pt x="419581" y="2588225"/>
+                  <a:pt x="427488" y="2608263"/>
+                  <a:pt x="395111" y="2681111"/>
+                </a:cubicBezTo>
+                <a:cubicBezTo>
+                  <a:pt x="388223" y="2696609"/>
+                  <a:pt x="368275" y="2702445"/>
+                  <a:pt x="352777" y="2709333"/>
+                </a:cubicBezTo>
+                <a:cubicBezTo>
+                  <a:pt x="325592" y="2721415"/>
+                  <a:pt x="296333" y="2728149"/>
+                  <a:pt x="268111" y="2737556"/>
+                </a:cubicBezTo>
+                <a:lnTo>
+                  <a:pt x="183444" y="2765778"/>
+                </a:lnTo>
+                <a:lnTo>
+                  <a:pt x="98777" y="2794000"/>
+                </a:lnTo>
+                <a:cubicBezTo>
+                  <a:pt x="3736" y="2809840"/>
+                  <a:pt x="26906" y="2782520"/>
+                  <a:pt x="0" y="2836333"/>
+                </a:cubicBezTo>
+              </a:path>
+            </a:pathLst>
+          </a:custGeom>
+          <a:ln>
+            <a:solidFill>
+              <a:srgbClr val="800000"/>
+            </a:solidFill>
+          </a:ln>
+        </p:spPr>
+        <p:style>
+          <a:lnRef idx="2">
+            <a:schemeClr val="accent1"/>
+          </a:lnRef>
+          <a:fillRef idx="0">
+            <a:schemeClr val="accent1"/>
+          </a:fillRef>
+          <a:effectRef idx="1">
+            <a:schemeClr val="accent1"/>
+          </a:effectRef>
+          <a:fontRef idx="minor">
+            <a:schemeClr val="tx1"/>
+          </a:fontRef>
+        </p:style>
+        <p:txBody>
+          <a:bodyPr rtlCol="0" anchor="ctr"/>
+          <a:lstStyle/>
+          <a:p>
+            <a:pPr algn="ctr"/>
+            <a:endParaRPr lang="en-US">
+              <a:solidFill>
+                <a:srgbClr val="800000"/>
               </a:solidFill>
             </a:endParaRPr>
           </a:p>
@@ -18378,6 +20189,13 @@
   <p:clrMapOvr>
     <a:masterClrMapping/>
   </p:clrMapOvr>
+  <p:timing>
+    <p:tnLst>
+      <p:par>
+        <p:cTn xmlns:p14="http://schemas.microsoft.com/office/powerpoint/2010/main" id="1" dur="indefinite" restart="never" nodeType="tmRoot"/>
+      </p:par>
+    </p:tnLst>
+  </p:timing>
 </p:sld>
 </file>
 
